--- a/metodologia/fluxo_funcoes.pptx
+++ b/metodologia/fluxo_funcoes.pptx
@@ -5,10 +5,7 @@
     <p:sldMasterId id="2147483648" r:id="rId1"/>
   </p:sldMasterIdLst>
   <p:sldIdLst>
-    <p:sldId id="256" r:id="rId2"/>
-    <p:sldId id="257" r:id="rId3"/>
-    <p:sldId id="258" r:id="rId4"/>
-    <p:sldId id="259" r:id="rId5"/>
+    <p:sldId id="259" r:id="rId2"/>
   </p:sldIdLst>
   <p:sldSz cx="12192000" cy="6858000"/>
   <p:notesSz cx="6858000" cy="9144000"/>
@@ -246,7 +243,7 @@
           <a:p>
             <a:fld id="{6E837E62-3F50-4DC5-847B-FFE30D7C161D}" type="datetimeFigureOut">
               <a:rPr lang="en-US" smtClean="0"/>
-              <a:t>10/19/2022</a:t>
+              <a:t>1/10/2023</a:t>
             </a:fld>
             <a:endParaRPr lang="en-US"/>
           </a:p>
@@ -416,7 +413,7 @@
           <a:p>
             <a:fld id="{6E837E62-3F50-4DC5-847B-FFE30D7C161D}" type="datetimeFigureOut">
               <a:rPr lang="en-US" smtClean="0"/>
-              <a:t>10/19/2022</a:t>
+              <a:t>1/10/2023</a:t>
             </a:fld>
             <a:endParaRPr lang="en-US"/>
           </a:p>
@@ -596,7 +593,7 @@
           <a:p>
             <a:fld id="{6E837E62-3F50-4DC5-847B-FFE30D7C161D}" type="datetimeFigureOut">
               <a:rPr lang="en-US" smtClean="0"/>
-              <a:t>10/19/2022</a:t>
+              <a:t>1/10/2023</a:t>
             </a:fld>
             <a:endParaRPr lang="en-US"/>
           </a:p>
@@ -766,7 +763,7 @@
           <a:p>
             <a:fld id="{6E837E62-3F50-4DC5-847B-FFE30D7C161D}" type="datetimeFigureOut">
               <a:rPr lang="en-US" smtClean="0"/>
-              <a:t>10/19/2022</a:t>
+              <a:t>1/10/2023</a:t>
             </a:fld>
             <a:endParaRPr lang="en-US"/>
           </a:p>
@@ -1012,7 +1009,7 @@
           <a:p>
             <a:fld id="{6E837E62-3F50-4DC5-847B-FFE30D7C161D}" type="datetimeFigureOut">
               <a:rPr lang="en-US" smtClean="0"/>
-              <a:t>10/19/2022</a:t>
+              <a:t>1/10/2023</a:t>
             </a:fld>
             <a:endParaRPr lang="en-US"/>
           </a:p>
@@ -1244,7 +1241,7 @@
           <a:p>
             <a:fld id="{6E837E62-3F50-4DC5-847B-FFE30D7C161D}" type="datetimeFigureOut">
               <a:rPr lang="en-US" smtClean="0"/>
-              <a:t>10/19/2022</a:t>
+              <a:t>1/10/2023</a:t>
             </a:fld>
             <a:endParaRPr lang="en-US"/>
           </a:p>
@@ -1611,7 +1608,7 @@
           <a:p>
             <a:fld id="{6E837E62-3F50-4DC5-847B-FFE30D7C161D}" type="datetimeFigureOut">
               <a:rPr lang="en-US" smtClean="0"/>
-              <a:t>10/19/2022</a:t>
+              <a:t>1/10/2023</a:t>
             </a:fld>
             <a:endParaRPr lang="en-US"/>
           </a:p>
@@ -1729,7 +1726,7 @@
           <a:p>
             <a:fld id="{6E837E62-3F50-4DC5-847B-FFE30D7C161D}" type="datetimeFigureOut">
               <a:rPr lang="en-US" smtClean="0"/>
-              <a:t>10/19/2022</a:t>
+              <a:t>1/10/2023</a:t>
             </a:fld>
             <a:endParaRPr lang="en-US"/>
           </a:p>
@@ -1824,7 +1821,7 @@
           <a:p>
             <a:fld id="{6E837E62-3F50-4DC5-847B-FFE30D7C161D}" type="datetimeFigureOut">
               <a:rPr lang="en-US" smtClean="0"/>
-              <a:t>10/19/2022</a:t>
+              <a:t>1/10/2023</a:t>
             </a:fld>
             <a:endParaRPr lang="en-US"/>
           </a:p>
@@ -2101,7 +2098,7 @@
           <a:p>
             <a:fld id="{6E837E62-3F50-4DC5-847B-FFE30D7C161D}" type="datetimeFigureOut">
               <a:rPr lang="en-US" smtClean="0"/>
-              <a:t>10/19/2022</a:t>
+              <a:t>1/10/2023</a:t>
             </a:fld>
             <a:endParaRPr lang="en-US"/>
           </a:p>
@@ -2354,7 +2351,7 @@
           <a:p>
             <a:fld id="{6E837E62-3F50-4DC5-847B-FFE30D7C161D}" type="datetimeFigureOut">
               <a:rPr lang="en-US" smtClean="0"/>
-              <a:t>10/19/2022</a:t>
+              <a:t>1/10/2023</a:t>
             </a:fld>
             <a:endParaRPr lang="en-US"/>
           </a:p>
@@ -2567,7 +2564,7 @@
           <a:p>
             <a:fld id="{6E837E62-3F50-4DC5-847B-FFE30D7C161D}" type="datetimeFigureOut">
               <a:rPr lang="en-US" smtClean="0"/>
-              <a:t>10/19/2022</a:t>
+              <a:t>1/10/2023</a:t>
             </a:fld>
             <a:endParaRPr lang="en-US"/>
           </a:p>
@@ -2980,4311 +2977,6 @@
         </p:nvSpPr>
         <p:spPr>
           <a:xfrm>
-            <a:off x="464695" y="359764"/>
-            <a:ext cx="6115987" cy="400110"/>
-          </a:xfrm>
-          <a:prstGeom prst="rect">
-            <a:avLst/>
-          </a:prstGeom>
-          <a:noFill/>
-        </p:spPr>
-        <p:txBody>
-          <a:bodyPr wrap="square" rtlCol="0">
-            <a:spAutoFit/>
-          </a:bodyPr>
-          <a:lstStyle/>
-          <a:p>
-            <a:r>
-              <a:rPr lang="pt-BR" sz="2000">
-                <a:latin typeface="Gill Sans MT" panose="020B0502020104020203" pitchFamily="34" charset="0"/>
-              </a:rPr>
-              <a:t>Funções do pacote epe4md</a:t>
-            </a:r>
-            <a:endParaRPr lang="en-US" sz="2000">
-              <a:latin typeface="Gill Sans MT" panose="020B0502020104020203" pitchFamily="34" charset="0"/>
-            </a:endParaRPr>
-          </a:p>
-        </p:txBody>
-      </p:sp>
-      <p:sp>
-        <p:nvSpPr>
-          <p:cNvPr id="5" name="Retângulo 4"/>
-          <p:cNvSpPr/>
-          <p:nvPr/>
-        </p:nvSpPr>
-        <p:spPr>
-          <a:xfrm>
-            <a:off x="2518348" y="1184224"/>
-            <a:ext cx="1603947" cy="464694"/>
-          </a:xfrm>
-          <a:prstGeom prst="rect">
-            <a:avLst/>
-          </a:prstGeom>
-          <a:solidFill>
-            <a:schemeClr val="accent5">
-              <a:lumMod val="75000"/>
-            </a:schemeClr>
-          </a:solidFill>
-        </p:spPr>
-        <p:style>
-          <a:lnRef idx="2">
-            <a:schemeClr val="accent1">
-              <a:shade val="50000"/>
-            </a:schemeClr>
-          </a:lnRef>
-          <a:fillRef idx="1">
-            <a:schemeClr val="accent1"/>
-          </a:fillRef>
-          <a:effectRef idx="0">
-            <a:schemeClr val="accent1"/>
-          </a:effectRef>
-          <a:fontRef idx="minor">
-            <a:schemeClr val="lt1"/>
-          </a:fontRef>
-        </p:style>
-        <p:txBody>
-          <a:bodyPr rtlCol="0" anchor="ctr"/>
-          <a:lstStyle/>
-          <a:p>
-            <a:pPr algn="ctr"/>
-            <a:r>
-              <a:rPr lang="pt-BR"/>
-              <a:t>casos_payback</a:t>
-            </a:r>
-            <a:endParaRPr lang="en-US"/>
-          </a:p>
-        </p:txBody>
-      </p:sp>
-      <p:sp>
-        <p:nvSpPr>
-          <p:cNvPr id="6" name="Retângulo 5"/>
-          <p:cNvSpPr/>
-          <p:nvPr/>
-        </p:nvSpPr>
-        <p:spPr>
-          <a:xfrm>
-            <a:off x="2518348" y="1947262"/>
-            <a:ext cx="1603947" cy="415764"/>
-          </a:xfrm>
-          <a:prstGeom prst="rect">
-            <a:avLst/>
-          </a:prstGeom>
-          <a:solidFill>
-            <a:schemeClr val="accent5">
-              <a:lumMod val="75000"/>
-            </a:schemeClr>
-          </a:solidFill>
-        </p:spPr>
-        <p:style>
-          <a:lnRef idx="2">
-            <a:schemeClr val="accent1">
-              <a:shade val="50000"/>
-            </a:schemeClr>
-          </a:lnRef>
-          <a:fillRef idx="1">
-            <a:schemeClr val="accent1"/>
-          </a:fillRef>
-          <a:effectRef idx="0">
-            <a:schemeClr val="accent1"/>
-          </a:effectRef>
-          <a:fontRef idx="minor">
-            <a:schemeClr val="lt1"/>
-          </a:fontRef>
-        </p:style>
-        <p:txBody>
-          <a:bodyPr rtlCol="0" anchor="ctr"/>
-          <a:lstStyle/>
-          <a:p>
-            <a:pPr algn="ctr"/>
-            <a:r>
-              <a:rPr lang="pt-BR"/>
-              <a:t>payback</a:t>
-            </a:r>
-            <a:endParaRPr lang="en-US"/>
-          </a:p>
-        </p:txBody>
-      </p:sp>
-      <p:sp>
-        <p:nvSpPr>
-          <p:cNvPr id="16" name="Retângulo 15"/>
-          <p:cNvSpPr/>
-          <p:nvPr/>
-        </p:nvSpPr>
-        <p:spPr>
-          <a:xfrm>
-            <a:off x="4503307" y="1184225"/>
-            <a:ext cx="2077375" cy="464694"/>
-          </a:xfrm>
-          <a:prstGeom prst="rect">
-            <a:avLst/>
-          </a:prstGeom>
-          <a:solidFill>
-            <a:schemeClr val="accent5">
-              <a:lumMod val="75000"/>
-            </a:schemeClr>
-          </a:solidFill>
-        </p:spPr>
-        <p:style>
-          <a:lnRef idx="2">
-            <a:schemeClr val="accent1">
-              <a:shade val="50000"/>
-            </a:schemeClr>
-          </a:lnRef>
-          <a:fillRef idx="1">
-            <a:schemeClr val="accent1"/>
-          </a:fillRef>
-          <a:effectRef idx="0">
-            <a:schemeClr val="accent1"/>
-          </a:effectRef>
-          <a:fontRef idx="minor">
-            <a:schemeClr val="lt1"/>
-          </a:fontRef>
-        </p:style>
-        <p:txBody>
-          <a:bodyPr rtlCol="0" anchor="ctr"/>
-          <a:lstStyle/>
-          <a:p>
-            <a:pPr algn="ctr"/>
-            <a:r>
-              <a:rPr lang="pt-BR"/>
-              <a:t>mercado_potencial</a:t>
-            </a:r>
-            <a:endParaRPr lang="en-US"/>
-          </a:p>
-        </p:txBody>
-      </p:sp>
-      <p:sp>
-        <p:nvSpPr>
-          <p:cNvPr id="17" name="Retângulo 16"/>
-          <p:cNvSpPr/>
-          <p:nvPr/>
-        </p:nvSpPr>
-        <p:spPr>
-          <a:xfrm>
-            <a:off x="4503308" y="2842819"/>
-            <a:ext cx="2077374" cy="415764"/>
-          </a:xfrm>
-          <a:prstGeom prst="rect">
-            <a:avLst/>
-          </a:prstGeom>
-          <a:solidFill>
-            <a:schemeClr val="accent5">
-              <a:lumMod val="75000"/>
-            </a:schemeClr>
-          </a:solidFill>
-        </p:spPr>
-        <p:style>
-          <a:lnRef idx="2">
-            <a:schemeClr val="accent1">
-              <a:shade val="50000"/>
-            </a:schemeClr>
-          </a:lnRef>
-          <a:fillRef idx="1">
-            <a:schemeClr val="accent1"/>
-          </a:fillRef>
-          <a:effectRef idx="0">
-            <a:schemeClr val="accent1"/>
-          </a:effectRef>
-          <a:fontRef idx="minor">
-            <a:schemeClr val="lt1"/>
-          </a:fontRef>
-        </p:style>
-        <p:txBody>
-          <a:bodyPr rtlCol="0" anchor="ctr"/>
-          <a:lstStyle/>
-          <a:p>
-            <a:pPr algn="ctr"/>
-            <a:r>
-              <a:rPr lang="pt-BR"/>
-              <a:t>calibra_curva_s</a:t>
-            </a:r>
-            <a:endParaRPr lang="en-US"/>
-          </a:p>
-        </p:txBody>
-      </p:sp>
-      <p:sp>
-        <p:nvSpPr>
-          <p:cNvPr id="18" name="Retângulo 17"/>
-          <p:cNvSpPr/>
-          <p:nvPr/>
-        </p:nvSpPr>
-        <p:spPr>
-          <a:xfrm>
-            <a:off x="4503308" y="3564327"/>
-            <a:ext cx="2077375" cy="415764"/>
-          </a:xfrm>
-          <a:prstGeom prst="rect">
-            <a:avLst/>
-          </a:prstGeom>
-          <a:solidFill>
-            <a:schemeClr val="accent5">
-              <a:lumMod val="75000"/>
-            </a:schemeClr>
-          </a:solidFill>
-        </p:spPr>
-        <p:style>
-          <a:lnRef idx="2">
-            <a:schemeClr val="accent1">
-              <a:shade val="50000"/>
-            </a:schemeClr>
-          </a:lnRef>
-          <a:fillRef idx="1">
-            <a:schemeClr val="accent1"/>
-          </a:fillRef>
-          <a:effectRef idx="0">
-            <a:schemeClr val="accent1"/>
-          </a:effectRef>
-          <a:fontRef idx="minor">
-            <a:schemeClr val="lt1"/>
-          </a:fontRef>
-        </p:style>
-        <p:txBody>
-          <a:bodyPr rtlCol="0" anchor="ctr"/>
-          <a:lstStyle/>
-          <a:p>
-            <a:pPr algn="ctr"/>
-            <a:r>
-              <a:rPr lang="pt-BR" err="1"/>
-              <a:t>projecao_adotantes</a:t>
-            </a:r>
-            <a:endParaRPr lang="en-US"/>
-          </a:p>
-        </p:txBody>
-      </p:sp>
-      <p:sp>
-        <p:nvSpPr>
-          <p:cNvPr id="19" name="Retângulo 18"/>
-          <p:cNvSpPr/>
-          <p:nvPr/>
-        </p:nvSpPr>
-        <p:spPr>
-          <a:xfrm>
-            <a:off x="4503308" y="4248565"/>
-            <a:ext cx="2077375" cy="415764"/>
-          </a:xfrm>
-          <a:prstGeom prst="rect">
-            <a:avLst/>
-          </a:prstGeom>
-          <a:solidFill>
-            <a:schemeClr val="accent5">
-              <a:lumMod val="75000"/>
-            </a:schemeClr>
-          </a:solidFill>
-        </p:spPr>
-        <p:style>
-          <a:lnRef idx="2">
-            <a:schemeClr val="accent1">
-              <a:shade val="50000"/>
-            </a:schemeClr>
-          </a:lnRef>
-          <a:fillRef idx="1">
-            <a:schemeClr val="accent1"/>
-          </a:fillRef>
-          <a:effectRef idx="0">
-            <a:schemeClr val="accent1"/>
-          </a:effectRef>
-          <a:fontRef idx="minor">
-            <a:schemeClr val="lt1"/>
-          </a:fontRef>
-        </p:style>
-        <p:txBody>
-          <a:bodyPr rtlCol="0" anchor="ctr"/>
-          <a:lstStyle/>
-          <a:p>
-            <a:pPr algn="ctr"/>
-            <a:r>
-              <a:rPr lang="pt-BR" err="1"/>
-              <a:t>projecao_potencia</a:t>
-            </a:r>
-            <a:endParaRPr lang="en-US"/>
-          </a:p>
-        </p:txBody>
-      </p:sp>
-      <p:sp>
-        <p:nvSpPr>
-          <p:cNvPr id="20" name="Retângulo 19"/>
-          <p:cNvSpPr/>
-          <p:nvPr/>
-        </p:nvSpPr>
-        <p:spPr>
-          <a:xfrm>
-            <a:off x="4503307" y="4936130"/>
-            <a:ext cx="2077375" cy="415764"/>
-          </a:xfrm>
-          <a:prstGeom prst="rect">
-            <a:avLst/>
-          </a:prstGeom>
-          <a:solidFill>
-            <a:schemeClr val="accent5">
-              <a:lumMod val="75000"/>
-            </a:schemeClr>
-          </a:solidFill>
-        </p:spPr>
-        <p:style>
-          <a:lnRef idx="2">
-            <a:schemeClr val="accent1">
-              <a:shade val="50000"/>
-            </a:schemeClr>
-          </a:lnRef>
-          <a:fillRef idx="1">
-            <a:schemeClr val="accent1"/>
-          </a:fillRef>
-          <a:effectRef idx="0">
-            <a:schemeClr val="accent1"/>
-          </a:effectRef>
-          <a:fontRef idx="minor">
-            <a:schemeClr val="lt1"/>
-          </a:fontRef>
-        </p:style>
-        <p:txBody>
-          <a:bodyPr rtlCol="0" anchor="ctr"/>
-          <a:lstStyle/>
-          <a:p>
-            <a:pPr algn="ctr"/>
-            <a:r>
-              <a:rPr lang="pt-BR" err="1"/>
-              <a:t>geracao_mensal</a:t>
-            </a:r>
-            <a:endParaRPr lang="en-US"/>
-          </a:p>
-        </p:txBody>
-      </p:sp>
-      <p:sp>
-        <p:nvSpPr>
-          <p:cNvPr id="39" name="Retângulo 38"/>
-          <p:cNvSpPr/>
-          <p:nvPr/>
-        </p:nvSpPr>
-        <p:spPr>
-          <a:xfrm>
-            <a:off x="7160949" y="4936130"/>
-            <a:ext cx="1773189" cy="415764"/>
-          </a:xfrm>
-          <a:prstGeom prst="rect">
-            <a:avLst/>
-          </a:prstGeom>
-          <a:solidFill>
-            <a:schemeClr val="accent5">
-              <a:lumMod val="75000"/>
-            </a:schemeClr>
-          </a:solidFill>
-        </p:spPr>
-        <p:style>
-          <a:lnRef idx="2">
-            <a:schemeClr val="accent1">
-              <a:shade val="50000"/>
-            </a:schemeClr>
-          </a:lnRef>
-          <a:fillRef idx="1">
-            <a:schemeClr val="accent1"/>
-          </a:fillRef>
-          <a:effectRef idx="0">
-            <a:schemeClr val="accent1"/>
-          </a:effectRef>
-          <a:fontRef idx="minor">
-            <a:schemeClr val="lt1"/>
-          </a:fontRef>
-        </p:style>
-        <p:txBody>
-          <a:bodyPr rtlCol="0" anchor="ctr"/>
-          <a:lstStyle/>
-          <a:p>
-            <a:pPr algn="ctr"/>
-            <a:r>
-              <a:rPr lang="pt-BR"/>
-              <a:t>investimentos</a:t>
-            </a:r>
-            <a:endParaRPr lang="en-US"/>
-          </a:p>
-        </p:txBody>
-      </p:sp>
-      <p:sp>
-        <p:nvSpPr>
-          <p:cNvPr id="40" name="Retângulo 39"/>
-          <p:cNvSpPr/>
-          <p:nvPr/>
-        </p:nvSpPr>
-        <p:spPr>
-          <a:xfrm>
-            <a:off x="1425947" y="4936130"/>
-            <a:ext cx="2077375" cy="415764"/>
-          </a:xfrm>
-          <a:prstGeom prst="rect">
-            <a:avLst/>
-          </a:prstGeom>
-          <a:solidFill>
-            <a:schemeClr val="accent5">
-              <a:lumMod val="75000"/>
-            </a:schemeClr>
-          </a:solidFill>
-        </p:spPr>
-        <p:style>
-          <a:lnRef idx="2">
-            <a:schemeClr val="accent1">
-              <a:shade val="50000"/>
-            </a:schemeClr>
-          </a:lnRef>
-          <a:fillRef idx="1">
-            <a:schemeClr val="accent1"/>
-          </a:fillRef>
-          <a:effectRef idx="0">
-            <a:schemeClr val="accent1"/>
-          </a:effectRef>
-          <a:fontRef idx="minor">
-            <a:schemeClr val="lt1"/>
-          </a:fontRef>
-        </p:style>
-        <p:txBody>
-          <a:bodyPr rtlCol="0" anchor="ctr"/>
-          <a:lstStyle/>
-          <a:p>
-            <a:pPr algn="ctr"/>
-            <a:r>
-              <a:rPr lang="pt-BR" err="1"/>
-              <a:t>graficos</a:t>
-            </a:r>
-            <a:endParaRPr lang="en-US"/>
-          </a:p>
-        </p:txBody>
-      </p:sp>
-      <p:sp>
-        <p:nvSpPr>
-          <p:cNvPr id="41" name="Retângulo 40"/>
-          <p:cNvSpPr/>
-          <p:nvPr/>
-        </p:nvSpPr>
-        <p:spPr>
-          <a:xfrm>
-            <a:off x="1425947" y="4222022"/>
-            <a:ext cx="2077375" cy="415764"/>
-          </a:xfrm>
-          <a:prstGeom prst="rect">
-            <a:avLst/>
-          </a:prstGeom>
-          <a:solidFill>
-            <a:schemeClr val="accent5">
-              <a:lumMod val="75000"/>
-            </a:schemeClr>
-          </a:solidFill>
-        </p:spPr>
-        <p:style>
-          <a:lnRef idx="2">
-            <a:schemeClr val="accent1">
-              <a:shade val="50000"/>
-            </a:schemeClr>
-          </a:lnRef>
-          <a:fillRef idx="1">
-            <a:schemeClr val="accent1"/>
-          </a:fillRef>
-          <a:effectRef idx="0">
-            <a:schemeClr val="accent1"/>
-          </a:effectRef>
-          <a:fontRef idx="minor">
-            <a:schemeClr val="lt1"/>
-          </a:fontRef>
-        </p:style>
-        <p:txBody>
-          <a:bodyPr rtlCol="0" anchor="ctr"/>
-          <a:lstStyle/>
-          <a:p>
-            <a:pPr algn="ctr"/>
-            <a:r>
-              <a:rPr lang="pt-BR"/>
-              <a:t>fatores_publicacao</a:t>
-            </a:r>
-            <a:endParaRPr lang="en-US"/>
-          </a:p>
-        </p:txBody>
-      </p:sp>
-      <p:cxnSp>
-        <p:nvCxnSpPr>
-          <p:cNvPr id="43" name="Conector de seta reta 42"/>
-          <p:cNvCxnSpPr>
-            <a:stCxn id="5" idx="2"/>
-            <a:endCxn id="6" idx="0"/>
-          </p:cNvCxnSpPr>
-          <p:nvPr/>
-        </p:nvCxnSpPr>
-        <p:spPr>
-          <a:xfrm>
-            <a:off x="3320322" y="1648918"/>
-            <a:ext cx="0" cy="298344"/>
-          </a:xfrm>
-          <a:prstGeom prst="straightConnector1">
-            <a:avLst/>
-          </a:prstGeom>
-          <a:ln>
-            <a:solidFill>
-              <a:schemeClr val="bg1">
-                <a:lumMod val="50000"/>
-              </a:schemeClr>
-            </a:solidFill>
-            <a:tailEnd type="triangle"/>
-          </a:ln>
-        </p:spPr>
-        <p:style>
-          <a:lnRef idx="1">
-            <a:schemeClr val="accent1"/>
-          </a:lnRef>
-          <a:fillRef idx="0">
-            <a:schemeClr val="accent1"/>
-          </a:fillRef>
-          <a:effectRef idx="0">
-            <a:schemeClr val="accent1"/>
-          </a:effectRef>
-          <a:fontRef idx="minor">
-            <a:schemeClr val="tx1"/>
-          </a:fontRef>
-        </p:style>
-      </p:cxnSp>
-      <p:cxnSp>
-        <p:nvCxnSpPr>
-          <p:cNvPr id="49" name="Conector angulado 48"/>
-          <p:cNvCxnSpPr>
-            <a:stCxn id="6" idx="2"/>
-            <a:endCxn id="17" idx="0"/>
-          </p:cNvCxnSpPr>
-          <p:nvPr/>
-        </p:nvCxnSpPr>
-        <p:spPr>
-          <a:xfrm rot="16200000" flipH="1">
-            <a:off x="4191262" y="1492085"/>
-            <a:ext cx="479793" cy="2221673"/>
-          </a:xfrm>
-          <a:prstGeom prst="bentConnector3">
-            <a:avLst/>
-          </a:prstGeom>
-          <a:ln>
-            <a:solidFill>
-              <a:schemeClr val="bg1">
-                <a:lumMod val="50000"/>
-              </a:schemeClr>
-            </a:solidFill>
-            <a:tailEnd type="triangle"/>
-          </a:ln>
-        </p:spPr>
-        <p:style>
-          <a:lnRef idx="1">
-            <a:schemeClr val="accent1"/>
-          </a:lnRef>
-          <a:fillRef idx="0">
-            <a:schemeClr val="accent1"/>
-          </a:fillRef>
-          <a:effectRef idx="0">
-            <a:schemeClr val="accent1"/>
-          </a:effectRef>
-          <a:fontRef idx="minor">
-            <a:schemeClr val="tx1"/>
-          </a:fontRef>
-        </p:style>
-      </p:cxnSp>
-      <p:cxnSp>
-        <p:nvCxnSpPr>
-          <p:cNvPr id="51" name="Conector de seta reta 50"/>
-          <p:cNvCxnSpPr>
-            <a:stCxn id="17" idx="2"/>
-            <a:endCxn id="18" idx="0"/>
-          </p:cNvCxnSpPr>
-          <p:nvPr/>
-        </p:nvCxnSpPr>
-        <p:spPr>
-          <a:xfrm>
-            <a:off x="5541995" y="3258583"/>
-            <a:ext cx="1" cy="305744"/>
-          </a:xfrm>
-          <a:prstGeom prst="straightConnector1">
-            <a:avLst/>
-          </a:prstGeom>
-          <a:ln>
-            <a:solidFill>
-              <a:schemeClr val="bg1">
-                <a:lumMod val="50000"/>
-              </a:schemeClr>
-            </a:solidFill>
-            <a:tailEnd type="triangle"/>
-          </a:ln>
-        </p:spPr>
-        <p:style>
-          <a:lnRef idx="1">
-            <a:schemeClr val="accent1"/>
-          </a:lnRef>
-          <a:fillRef idx="0">
-            <a:schemeClr val="accent1"/>
-          </a:fillRef>
-          <a:effectRef idx="0">
-            <a:schemeClr val="accent1"/>
-          </a:effectRef>
-          <a:fontRef idx="minor">
-            <a:schemeClr val="tx1"/>
-          </a:fontRef>
-        </p:style>
-      </p:cxnSp>
-      <p:cxnSp>
-        <p:nvCxnSpPr>
-          <p:cNvPr id="53" name="Conector de seta reta 52"/>
-          <p:cNvCxnSpPr>
-            <a:stCxn id="18" idx="2"/>
-            <a:endCxn id="19" idx="0"/>
-          </p:cNvCxnSpPr>
-          <p:nvPr/>
-        </p:nvCxnSpPr>
-        <p:spPr>
-          <a:xfrm>
-            <a:off x="5541996" y="3980091"/>
-            <a:ext cx="0" cy="268474"/>
-          </a:xfrm>
-          <a:prstGeom prst="straightConnector1">
-            <a:avLst/>
-          </a:prstGeom>
-          <a:ln>
-            <a:solidFill>
-              <a:schemeClr val="bg1">
-                <a:lumMod val="50000"/>
-              </a:schemeClr>
-            </a:solidFill>
-            <a:tailEnd type="triangle"/>
-          </a:ln>
-        </p:spPr>
-        <p:style>
-          <a:lnRef idx="1">
-            <a:schemeClr val="accent1"/>
-          </a:lnRef>
-          <a:fillRef idx="0">
-            <a:schemeClr val="accent1"/>
-          </a:fillRef>
-          <a:effectRef idx="0">
-            <a:schemeClr val="accent1"/>
-          </a:effectRef>
-          <a:fontRef idx="minor">
-            <a:schemeClr val="tx1"/>
-          </a:fontRef>
-        </p:style>
-      </p:cxnSp>
-      <p:cxnSp>
-        <p:nvCxnSpPr>
-          <p:cNvPr id="55" name="Conector de seta reta 54"/>
-          <p:cNvCxnSpPr>
-            <a:stCxn id="19" idx="2"/>
-            <a:endCxn id="20" idx="0"/>
-          </p:cNvCxnSpPr>
-          <p:nvPr/>
-        </p:nvCxnSpPr>
-        <p:spPr>
-          <a:xfrm flipH="1">
-            <a:off x="5541995" y="4664329"/>
-            <a:ext cx="1" cy="271801"/>
-          </a:xfrm>
-          <a:prstGeom prst="straightConnector1">
-            <a:avLst/>
-          </a:prstGeom>
-          <a:ln>
-            <a:solidFill>
-              <a:schemeClr val="bg1">
-                <a:lumMod val="50000"/>
-              </a:schemeClr>
-            </a:solidFill>
-            <a:tailEnd type="triangle"/>
-          </a:ln>
-        </p:spPr>
-        <p:style>
-          <a:lnRef idx="1">
-            <a:schemeClr val="accent1"/>
-          </a:lnRef>
-          <a:fillRef idx="0">
-            <a:schemeClr val="accent1"/>
-          </a:fillRef>
-          <a:effectRef idx="0">
-            <a:schemeClr val="accent1"/>
-          </a:effectRef>
-          <a:fontRef idx="minor">
-            <a:schemeClr val="tx1"/>
-          </a:fontRef>
-        </p:style>
-      </p:cxnSp>
-      <p:cxnSp>
-        <p:nvCxnSpPr>
-          <p:cNvPr id="57" name="Conector de seta reta 56"/>
-          <p:cNvCxnSpPr>
-            <a:stCxn id="41" idx="2"/>
-            <a:endCxn id="40" idx="0"/>
-          </p:cNvCxnSpPr>
-          <p:nvPr/>
-        </p:nvCxnSpPr>
-        <p:spPr>
-          <a:xfrm>
-            <a:off x="2464635" y="4637786"/>
-            <a:ext cx="0" cy="298344"/>
-          </a:xfrm>
-          <a:prstGeom prst="straightConnector1">
-            <a:avLst/>
-          </a:prstGeom>
-          <a:ln>
-            <a:solidFill>
-              <a:schemeClr val="bg1">
-                <a:lumMod val="50000"/>
-              </a:schemeClr>
-            </a:solidFill>
-            <a:tailEnd type="triangle"/>
-          </a:ln>
-        </p:spPr>
-        <p:style>
-          <a:lnRef idx="1">
-            <a:schemeClr val="accent1"/>
-          </a:lnRef>
-          <a:fillRef idx="0">
-            <a:schemeClr val="accent1"/>
-          </a:fillRef>
-          <a:effectRef idx="0">
-            <a:schemeClr val="accent1"/>
-          </a:effectRef>
-          <a:fontRef idx="minor">
-            <a:schemeClr val="tx1"/>
-          </a:fontRef>
-        </p:style>
-      </p:cxnSp>
-      <p:cxnSp>
-        <p:nvCxnSpPr>
-          <p:cNvPr id="60" name="Conector de seta reta 59"/>
-          <p:cNvCxnSpPr>
-            <a:stCxn id="20" idx="1"/>
-            <a:endCxn id="40" idx="3"/>
-          </p:cNvCxnSpPr>
-          <p:nvPr/>
-        </p:nvCxnSpPr>
-        <p:spPr>
-          <a:xfrm flipH="1">
-            <a:off x="3503322" y="5144012"/>
-            <a:ext cx="999985" cy="0"/>
-          </a:xfrm>
-          <a:prstGeom prst="straightConnector1">
-            <a:avLst/>
-          </a:prstGeom>
-          <a:ln>
-            <a:solidFill>
-              <a:schemeClr val="bg1">
-                <a:lumMod val="50000"/>
-              </a:schemeClr>
-            </a:solidFill>
-            <a:tailEnd type="triangle"/>
-          </a:ln>
-        </p:spPr>
-        <p:style>
-          <a:lnRef idx="1">
-            <a:schemeClr val="accent1"/>
-          </a:lnRef>
-          <a:fillRef idx="0">
-            <a:schemeClr val="accent1"/>
-          </a:fillRef>
-          <a:effectRef idx="0">
-            <a:schemeClr val="accent1"/>
-          </a:effectRef>
-          <a:fontRef idx="minor">
-            <a:schemeClr val="tx1"/>
-          </a:fontRef>
-        </p:style>
-      </p:cxnSp>
-      <p:cxnSp>
-        <p:nvCxnSpPr>
-          <p:cNvPr id="64" name="Conector angulado 63"/>
-          <p:cNvCxnSpPr>
-            <a:stCxn id="19" idx="1"/>
-            <a:endCxn id="40" idx="3"/>
-          </p:cNvCxnSpPr>
-          <p:nvPr/>
-        </p:nvCxnSpPr>
-        <p:spPr>
-          <a:xfrm rot="10800000" flipV="1">
-            <a:off x="3503322" y="4456446"/>
-            <a:ext cx="999986" cy="687565"/>
-          </a:xfrm>
-          <a:prstGeom prst="bentConnector3">
-            <a:avLst/>
-          </a:prstGeom>
-          <a:ln>
-            <a:solidFill>
-              <a:schemeClr val="bg1">
-                <a:lumMod val="50000"/>
-              </a:schemeClr>
-            </a:solidFill>
-            <a:tailEnd type="triangle"/>
-          </a:ln>
-        </p:spPr>
-        <p:style>
-          <a:lnRef idx="1">
-            <a:schemeClr val="accent1"/>
-          </a:lnRef>
-          <a:fillRef idx="0">
-            <a:schemeClr val="accent1"/>
-          </a:fillRef>
-          <a:effectRef idx="0">
-            <a:schemeClr val="accent1"/>
-          </a:effectRef>
-          <a:fontRef idx="minor">
-            <a:schemeClr val="tx1"/>
-          </a:fontRef>
-        </p:style>
-      </p:cxnSp>
-      <p:cxnSp>
-        <p:nvCxnSpPr>
-          <p:cNvPr id="10" name="Conector de seta reta 9"/>
-          <p:cNvCxnSpPr>
-            <a:stCxn id="16" idx="2"/>
-            <a:endCxn id="17" idx="0"/>
-          </p:cNvCxnSpPr>
-          <p:nvPr/>
-        </p:nvCxnSpPr>
-        <p:spPr>
-          <a:xfrm>
-            <a:off x="5541995" y="1648919"/>
-            <a:ext cx="0" cy="1193900"/>
-          </a:xfrm>
-          <a:prstGeom prst="straightConnector1">
-            <a:avLst/>
-          </a:prstGeom>
-          <a:ln>
-            <a:solidFill>
-              <a:schemeClr val="bg1">
-                <a:lumMod val="50000"/>
-              </a:schemeClr>
-            </a:solidFill>
-            <a:tailEnd type="triangle"/>
-          </a:ln>
-        </p:spPr>
-        <p:style>
-          <a:lnRef idx="1">
-            <a:schemeClr val="accent1"/>
-          </a:lnRef>
-          <a:fillRef idx="0">
-            <a:schemeClr val="accent1"/>
-          </a:fillRef>
-          <a:effectRef idx="0">
-            <a:schemeClr val="accent1"/>
-          </a:effectRef>
-          <a:fontRef idx="minor">
-            <a:schemeClr val="tx1"/>
-          </a:fontRef>
-        </p:style>
-      </p:cxnSp>
-      <p:grpSp>
-        <p:nvGrpSpPr>
-          <p:cNvPr id="34" name="Grupo 33"/>
-          <p:cNvGrpSpPr/>
-          <p:nvPr/>
-        </p:nvGrpSpPr>
-        <p:grpSpPr>
-          <a:xfrm>
-            <a:off x="2113614" y="1034321"/>
-            <a:ext cx="4856814" cy="3747541"/>
-            <a:chOff x="2113614" y="1034321"/>
-            <a:chExt cx="4856814" cy="3747541"/>
-          </a:xfrm>
-        </p:grpSpPr>
-        <p:cxnSp>
-          <p:nvCxnSpPr>
-            <p:cNvPr id="13" name="Conector reto 12"/>
-            <p:cNvCxnSpPr/>
-            <p:nvPr/>
-          </p:nvCxnSpPr>
-          <p:spPr>
-            <a:xfrm>
-              <a:off x="2113614" y="1034321"/>
-              <a:ext cx="29981" cy="2224262"/>
-            </a:xfrm>
-            <a:prstGeom prst="line">
-              <a:avLst/>
-            </a:prstGeom>
-            <a:ln w="12700">
-              <a:solidFill>
-                <a:srgbClr val="C00000"/>
-              </a:solidFill>
-              <a:prstDash val="dash"/>
-            </a:ln>
-          </p:spPr>
-          <p:style>
-            <a:lnRef idx="1">
-              <a:schemeClr val="accent1"/>
-            </a:lnRef>
-            <a:fillRef idx="0">
-              <a:schemeClr val="accent1"/>
-            </a:fillRef>
-            <a:effectRef idx="0">
-              <a:schemeClr val="accent1"/>
-            </a:effectRef>
-            <a:fontRef idx="minor">
-              <a:schemeClr val="tx1"/>
-            </a:fontRef>
-          </p:style>
-        </p:cxnSp>
-        <p:cxnSp>
-          <p:nvCxnSpPr>
-            <p:cNvPr id="15" name="Conector reto 14"/>
-            <p:cNvCxnSpPr/>
-            <p:nvPr/>
-          </p:nvCxnSpPr>
-          <p:spPr>
-            <a:xfrm>
-              <a:off x="2143595" y="3258583"/>
-              <a:ext cx="1978701" cy="0"/>
-            </a:xfrm>
-            <a:prstGeom prst="line">
-              <a:avLst/>
-            </a:prstGeom>
-            <a:ln w="12700">
-              <a:solidFill>
-                <a:srgbClr val="C00000"/>
-              </a:solidFill>
-              <a:prstDash val="dash"/>
-            </a:ln>
-          </p:spPr>
-          <p:style>
-            <a:lnRef idx="1">
-              <a:schemeClr val="accent1"/>
-            </a:lnRef>
-            <a:fillRef idx="0">
-              <a:schemeClr val="accent1"/>
-            </a:fillRef>
-            <a:effectRef idx="0">
-              <a:schemeClr val="accent1"/>
-            </a:effectRef>
-            <a:fontRef idx="minor">
-              <a:schemeClr val="tx1"/>
-            </a:fontRef>
-          </p:style>
-        </p:cxnSp>
-        <p:cxnSp>
-          <p:nvCxnSpPr>
-            <p:cNvPr id="24" name="Conector reto 23"/>
-            <p:cNvCxnSpPr/>
-            <p:nvPr/>
-          </p:nvCxnSpPr>
-          <p:spPr>
-            <a:xfrm>
-              <a:off x="4152277" y="4781862"/>
-              <a:ext cx="2818151" cy="0"/>
-            </a:xfrm>
-            <a:prstGeom prst="line">
-              <a:avLst/>
-            </a:prstGeom>
-            <a:ln w="12700">
-              <a:solidFill>
-                <a:srgbClr val="C00000"/>
-              </a:solidFill>
-              <a:prstDash val="dash"/>
-            </a:ln>
-          </p:spPr>
-          <p:style>
-            <a:lnRef idx="1">
-              <a:schemeClr val="accent1"/>
-            </a:lnRef>
-            <a:fillRef idx="0">
-              <a:schemeClr val="accent1"/>
-            </a:fillRef>
-            <a:effectRef idx="0">
-              <a:schemeClr val="accent1"/>
-            </a:effectRef>
-            <a:fontRef idx="minor">
-              <a:schemeClr val="tx1"/>
-            </a:fontRef>
-          </p:style>
-        </p:cxnSp>
-        <p:cxnSp>
-          <p:nvCxnSpPr>
-            <p:cNvPr id="26" name="Conector reto 25"/>
-            <p:cNvCxnSpPr/>
-            <p:nvPr/>
-          </p:nvCxnSpPr>
-          <p:spPr>
-            <a:xfrm flipV="1">
-              <a:off x="6955437" y="1034321"/>
-              <a:ext cx="0" cy="3747541"/>
-            </a:xfrm>
-            <a:prstGeom prst="line">
-              <a:avLst/>
-            </a:prstGeom>
-            <a:ln w="12700">
-              <a:solidFill>
-                <a:srgbClr val="C00000"/>
-              </a:solidFill>
-              <a:prstDash val="dash"/>
-            </a:ln>
-          </p:spPr>
-          <p:style>
-            <a:lnRef idx="1">
-              <a:schemeClr val="accent1"/>
-            </a:lnRef>
-            <a:fillRef idx="0">
-              <a:schemeClr val="accent1"/>
-            </a:fillRef>
-            <a:effectRef idx="0">
-              <a:schemeClr val="accent1"/>
-            </a:effectRef>
-            <a:fontRef idx="minor">
-              <a:schemeClr val="tx1"/>
-            </a:fontRef>
-          </p:style>
-        </p:cxnSp>
-        <p:cxnSp>
-          <p:nvCxnSpPr>
-            <p:cNvPr id="30" name="Conector reto 29"/>
-            <p:cNvCxnSpPr/>
-            <p:nvPr/>
-          </p:nvCxnSpPr>
-          <p:spPr>
-            <a:xfrm>
-              <a:off x="2113614" y="1034321"/>
-              <a:ext cx="4841823" cy="0"/>
-            </a:xfrm>
-            <a:prstGeom prst="line">
-              <a:avLst/>
-            </a:prstGeom>
-            <a:ln w="12700">
-              <a:solidFill>
-                <a:srgbClr val="C00000"/>
-              </a:solidFill>
-              <a:prstDash val="dash"/>
-            </a:ln>
-          </p:spPr>
-          <p:style>
-            <a:lnRef idx="1">
-              <a:schemeClr val="accent1"/>
-            </a:lnRef>
-            <a:fillRef idx="0">
-              <a:schemeClr val="accent1"/>
-            </a:fillRef>
-            <a:effectRef idx="0">
-              <a:schemeClr val="accent1"/>
-            </a:effectRef>
-            <a:fontRef idx="minor">
-              <a:schemeClr val="tx1"/>
-            </a:fontRef>
-          </p:style>
-        </p:cxnSp>
-        <p:cxnSp>
-          <p:nvCxnSpPr>
-            <p:cNvPr id="33" name="Conector reto 32"/>
-            <p:cNvCxnSpPr/>
-            <p:nvPr/>
-          </p:nvCxnSpPr>
-          <p:spPr>
-            <a:xfrm>
-              <a:off x="4122295" y="3258583"/>
-              <a:ext cx="0" cy="1523279"/>
-            </a:xfrm>
-            <a:prstGeom prst="line">
-              <a:avLst/>
-            </a:prstGeom>
-            <a:ln w="12700">
-              <a:solidFill>
-                <a:srgbClr val="C00000"/>
-              </a:solidFill>
-              <a:prstDash val="dash"/>
-            </a:ln>
-          </p:spPr>
-          <p:style>
-            <a:lnRef idx="1">
-              <a:schemeClr val="accent1"/>
-            </a:lnRef>
-            <a:fillRef idx="0">
-              <a:schemeClr val="accent1"/>
-            </a:fillRef>
-            <a:effectRef idx="0">
-              <a:schemeClr val="accent1"/>
-            </a:effectRef>
-            <a:fontRef idx="minor">
-              <a:schemeClr val="tx1"/>
-            </a:fontRef>
-          </p:style>
-        </p:cxnSp>
-      </p:grpSp>
-      <p:sp>
-        <p:nvSpPr>
-          <p:cNvPr id="48" name="Retângulo 47"/>
-          <p:cNvSpPr/>
-          <p:nvPr/>
-        </p:nvSpPr>
-        <p:spPr>
-          <a:xfrm>
-            <a:off x="6970429" y="1898331"/>
-            <a:ext cx="1963708" cy="464694"/>
-          </a:xfrm>
-          <a:prstGeom prst="rect">
-            <a:avLst/>
-          </a:prstGeom>
-          <a:solidFill>
-            <a:srgbClr val="953735"/>
-          </a:solidFill>
-          <a:ln>
-            <a:noFill/>
-          </a:ln>
-        </p:spPr>
-        <p:style>
-          <a:lnRef idx="2">
-            <a:schemeClr val="accent1">
-              <a:shade val="50000"/>
-            </a:schemeClr>
-          </a:lnRef>
-          <a:fillRef idx="1">
-            <a:schemeClr val="accent1"/>
-          </a:fillRef>
-          <a:effectRef idx="0">
-            <a:schemeClr val="accent1"/>
-          </a:effectRef>
-          <a:fontRef idx="minor">
-            <a:schemeClr val="lt1"/>
-          </a:fontRef>
-        </p:style>
-        <p:txBody>
-          <a:bodyPr rtlCol="0" anchor="ctr"/>
-          <a:lstStyle/>
-          <a:p>
-            <a:pPr algn="ctr"/>
-            <a:r>
-              <a:rPr lang="pt-BR"/>
-              <a:t>calculate</a:t>
-            </a:r>
-            <a:endParaRPr lang="en-US"/>
-          </a:p>
-        </p:txBody>
-      </p:sp>
-      <p:sp>
-        <p:nvSpPr>
-          <p:cNvPr id="52" name="Retângulo 51"/>
-          <p:cNvSpPr/>
-          <p:nvPr/>
-        </p:nvSpPr>
-        <p:spPr>
-          <a:xfrm>
-            <a:off x="7160949" y="4248565"/>
-            <a:ext cx="1773189" cy="415764"/>
-          </a:xfrm>
-          <a:prstGeom prst="rect">
-            <a:avLst/>
-          </a:prstGeom>
-          <a:solidFill>
-            <a:schemeClr val="accent5">
-              <a:lumMod val="75000"/>
-            </a:schemeClr>
-          </a:solidFill>
-        </p:spPr>
-        <p:style>
-          <a:lnRef idx="2">
-            <a:schemeClr val="accent1">
-              <a:shade val="50000"/>
-            </a:schemeClr>
-          </a:lnRef>
-          <a:fillRef idx="1">
-            <a:schemeClr val="accent1"/>
-          </a:fillRef>
-          <a:effectRef idx="0">
-            <a:schemeClr val="accent1"/>
-          </a:effectRef>
-          <a:fontRef idx="minor">
-            <a:schemeClr val="lt1"/>
-          </a:fontRef>
-        </p:style>
-        <p:txBody>
-          <a:bodyPr rtlCol="0" anchor="ctr"/>
-          <a:lstStyle/>
-          <a:p>
-            <a:pPr algn="ctr"/>
-            <a:r>
-              <a:rPr lang="pt-BR"/>
-              <a:t>summarise</a:t>
-            </a:r>
-            <a:endParaRPr lang="en-US"/>
-          </a:p>
-        </p:txBody>
-      </p:sp>
-      <p:cxnSp>
-        <p:nvCxnSpPr>
-          <p:cNvPr id="37" name="Conector de seta reta 36"/>
-          <p:cNvCxnSpPr>
-            <a:stCxn id="19" idx="3"/>
-            <a:endCxn id="52" idx="1"/>
-          </p:cNvCxnSpPr>
-          <p:nvPr/>
-        </p:nvCxnSpPr>
-        <p:spPr>
-          <a:xfrm>
-            <a:off x="6580683" y="4456447"/>
-            <a:ext cx="580266" cy="0"/>
-          </a:xfrm>
-          <a:prstGeom prst="straightConnector1">
-            <a:avLst/>
-          </a:prstGeom>
-          <a:ln>
-            <a:solidFill>
-              <a:schemeClr val="bg1">
-                <a:lumMod val="50000"/>
-              </a:schemeClr>
-            </a:solidFill>
-            <a:tailEnd type="triangle"/>
-          </a:ln>
-        </p:spPr>
-        <p:style>
-          <a:lnRef idx="1">
-            <a:schemeClr val="accent1"/>
-          </a:lnRef>
-          <a:fillRef idx="0">
-            <a:schemeClr val="accent1"/>
-          </a:fillRef>
-          <a:effectRef idx="0">
-            <a:schemeClr val="accent1"/>
-          </a:effectRef>
-          <a:fontRef idx="minor">
-            <a:schemeClr val="tx1"/>
-          </a:fontRef>
-        </p:style>
-      </p:cxnSp>
-      <p:cxnSp>
-        <p:nvCxnSpPr>
-          <p:cNvPr id="42" name="Conector angulado 41"/>
-          <p:cNvCxnSpPr>
-            <a:stCxn id="19" idx="3"/>
-            <a:endCxn id="39" idx="1"/>
-          </p:cNvCxnSpPr>
-          <p:nvPr/>
-        </p:nvCxnSpPr>
-        <p:spPr>
-          <a:xfrm>
-            <a:off x="6580683" y="4456447"/>
-            <a:ext cx="580266" cy="687565"/>
-          </a:xfrm>
-          <a:prstGeom prst="bentConnector3">
-            <a:avLst/>
-          </a:prstGeom>
-          <a:ln>
-            <a:solidFill>
-              <a:schemeClr val="bg1">
-                <a:lumMod val="50000"/>
-              </a:schemeClr>
-            </a:solidFill>
-            <a:tailEnd type="triangle"/>
-          </a:ln>
-        </p:spPr>
-        <p:style>
-          <a:lnRef idx="1">
-            <a:schemeClr val="accent1"/>
-          </a:lnRef>
-          <a:fillRef idx="0">
-            <a:schemeClr val="accent1"/>
-          </a:fillRef>
-          <a:effectRef idx="0">
-            <a:schemeClr val="accent1"/>
-          </a:effectRef>
-          <a:fontRef idx="minor">
-            <a:schemeClr val="tx1"/>
-          </a:fontRef>
-        </p:style>
-      </p:cxnSp>
-    </p:spTree>
-    <p:extLst>
-      <p:ext uri="{BB962C8B-B14F-4D97-AF65-F5344CB8AC3E}">
-        <p14:creationId xmlns:p14="http://schemas.microsoft.com/office/powerpoint/2010/main" val="3293763363"/>
-      </p:ext>
-    </p:extLst>
-  </p:cSld>
-  <p:clrMapOvr>
-    <a:masterClrMapping/>
-  </p:clrMapOvr>
-</p:sld>
-</file>
-
-<file path=ppt/slides/slide2.xml><?xml version="1.0" encoding="utf-8"?>
-<p:sld xmlns:a="http://schemas.openxmlformats.org/drawingml/2006/main" xmlns:r="http://schemas.openxmlformats.org/officeDocument/2006/relationships" xmlns:p="http://schemas.openxmlformats.org/presentationml/2006/main">
-  <p:cSld>
-    <p:spTree>
-      <p:nvGrpSpPr>
-        <p:cNvPr id="1" name=""/>
-        <p:cNvGrpSpPr/>
-        <p:nvPr/>
-      </p:nvGrpSpPr>
-      <p:grpSpPr>
-        <a:xfrm>
-          <a:off x="0" y="0"/>
-          <a:ext cx="0" cy="0"/>
-          <a:chOff x="0" y="0"/>
-          <a:chExt cx="0" cy="0"/>
-        </a:xfrm>
-      </p:grpSpPr>
-      <p:sp>
-        <p:nvSpPr>
-          <p:cNvPr id="4" name="CaixaDeTexto 3"/>
-          <p:cNvSpPr txBox="1"/>
-          <p:nvPr/>
-        </p:nvSpPr>
-        <p:spPr>
-          <a:xfrm>
-            <a:off x="464695" y="359764"/>
-            <a:ext cx="6115987" cy="400110"/>
-          </a:xfrm>
-          <a:prstGeom prst="rect">
-            <a:avLst/>
-          </a:prstGeom>
-          <a:noFill/>
-        </p:spPr>
-        <p:txBody>
-          <a:bodyPr wrap="square" rtlCol="0">
-            <a:spAutoFit/>
-          </a:bodyPr>
-          <a:lstStyle/>
-          <a:p>
-            <a:r>
-              <a:rPr lang="pt-BR" sz="2000">
-                <a:latin typeface="Gill Sans MT" panose="020B0502020104020203" pitchFamily="34" charset="0"/>
-              </a:rPr>
-              <a:t>Funções do pacote epe4md</a:t>
-            </a:r>
-            <a:endParaRPr lang="en-US" sz="2000">
-              <a:latin typeface="Gill Sans MT" panose="020B0502020104020203" pitchFamily="34" charset="0"/>
-            </a:endParaRPr>
-          </a:p>
-        </p:txBody>
-      </p:sp>
-      <p:sp>
-        <p:nvSpPr>
-          <p:cNvPr id="5" name="Retângulo 4"/>
-          <p:cNvSpPr/>
-          <p:nvPr/>
-        </p:nvSpPr>
-        <p:spPr>
-          <a:xfrm>
-            <a:off x="2923080" y="1424065"/>
-            <a:ext cx="1603947" cy="464694"/>
-          </a:xfrm>
-          <a:prstGeom prst="rect">
-            <a:avLst/>
-          </a:prstGeom>
-          <a:solidFill>
-            <a:schemeClr val="accent5">
-              <a:lumMod val="75000"/>
-            </a:schemeClr>
-          </a:solidFill>
-        </p:spPr>
-        <p:style>
-          <a:lnRef idx="2">
-            <a:schemeClr val="accent1">
-              <a:shade val="50000"/>
-            </a:schemeClr>
-          </a:lnRef>
-          <a:fillRef idx="1">
-            <a:schemeClr val="accent1"/>
-          </a:fillRef>
-          <a:effectRef idx="0">
-            <a:schemeClr val="accent1"/>
-          </a:effectRef>
-          <a:fontRef idx="minor">
-            <a:schemeClr val="lt1"/>
-          </a:fontRef>
-        </p:style>
-        <p:txBody>
-          <a:bodyPr rtlCol="0" anchor="ctr"/>
-          <a:lstStyle/>
-          <a:p>
-            <a:pPr algn="ctr"/>
-            <a:r>
-              <a:rPr lang="pt-BR"/>
-              <a:t>casos_payback</a:t>
-            </a:r>
-            <a:endParaRPr lang="en-US"/>
-          </a:p>
-        </p:txBody>
-      </p:sp>
-      <p:sp>
-        <p:nvSpPr>
-          <p:cNvPr id="6" name="Retângulo 5"/>
-          <p:cNvSpPr/>
-          <p:nvPr/>
-        </p:nvSpPr>
-        <p:spPr>
-          <a:xfrm>
-            <a:off x="2923080" y="2187103"/>
-            <a:ext cx="1603947" cy="415764"/>
-          </a:xfrm>
-          <a:prstGeom prst="rect">
-            <a:avLst/>
-          </a:prstGeom>
-          <a:solidFill>
-            <a:schemeClr val="accent5">
-              <a:lumMod val="75000"/>
-            </a:schemeClr>
-          </a:solidFill>
-        </p:spPr>
-        <p:style>
-          <a:lnRef idx="2">
-            <a:schemeClr val="accent1">
-              <a:shade val="50000"/>
-            </a:schemeClr>
-          </a:lnRef>
-          <a:fillRef idx="1">
-            <a:schemeClr val="accent1"/>
-          </a:fillRef>
-          <a:effectRef idx="0">
-            <a:schemeClr val="accent1"/>
-          </a:effectRef>
-          <a:fontRef idx="minor">
-            <a:schemeClr val="lt1"/>
-          </a:fontRef>
-        </p:style>
-        <p:txBody>
-          <a:bodyPr rtlCol="0" anchor="ctr"/>
-          <a:lstStyle/>
-          <a:p>
-            <a:pPr algn="ctr"/>
-            <a:r>
-              <a:rPr lang="pt-BR"/>
-              <a:t>payback</a:t>
-            </a:r>
-            <a:endParaRPr lang="en-US"/>
-          </a:p>
-        </p:txBody>
-      </p:sp>
-      <p:sp>
-        <p:nvSpPr>
-          <p:cNvPr id="16" name="Retângulo 15"/>
-          <p:cNvSpPr/>
-          <p:nvPr/>
-        </p:nvSpPr>
-        <p:spPr>
-          <a:xfrm>
-            <a:off x="4908039" y="1424066"/>
-            <a:ext cx="2077375" cy="464694"/>
-          </a:xfrm>
-          <a:prstGeom prst="rect">
-            <a:avLst/>
-          </a:prstGeom>
-          <a:solidFill>
-            <a:schemeClr val="accent5">
-              <a:lumMod val="75000"/>
-            </a:schemeClr>
-          </a:solidFill>
-        </p:spPr>
-        <p:style>
-          <a:lnRef idx="2">
-            <a:schemeClr val="accent1">
-              <a:shade val="50000"/>
-            </a:schemeClr>
-          </a:lnRef>
-          <a:fillRef idx="1">
-            <a:schemeClr val="accent1"/>
-          </a:fillRef>
-          <a:effectRef idx="0">
-            <a:schemeClr val="accent1"/>
-          </a:effectRef>
-          <a:fontRef idx="minor">
-            <a:schemeClr val="lt1"/>
-          </a:fontRef>
-        </p:style>
-        <p:txBody>
-          <a:bodyPr rtlCol="0" anchor="ctr"/>
-          <a:lstStyle/>
-          <a:p>
-            <a:pPr algn="ctr"/>
-            <a:r>
-              <a:rPr lang="pt-BR"/>
-              <a:t>mercado_potencial</a:t>
-            </a:r>
-            <a:endParaRPr lang="en-US"/>
-          </a:p>
-        </p:txBody>
-      </p:sp>
-      <p:sp>
-        <p:nvSpPr>
-          <p:cNvPr id="17" name="Retângulo 16"/>
-          <p:cNvSpPr/>
-          <p:nvPr/>
-        </p:nvSpPr>
-        <p:spPr>
-          <a:xfrm>
-            <a:off x="4908040" y="3082660"/>
-            <a:ext cx="2077374" cy="415764"/>
-          </a:xfrm>
-          <a:prstGeom prst="rect">
-            <a:avLst/>
-          </a:prstGeom>
-          <a:solidFill>
-            <a:schemeClr val="accent5">
-              <a:lumMod val="75000"/>
-            </a:schemeClr>
-          </a:solidFill>
-        </p:spPr>
-        <p:style>
-          <a:lnRef idx="2">
-            <a:schemeClr val="accent1">
-              <a:shade val="50000"/>
-            </a:schemeClr>
-          </a:lnRef>
-          <a:fillRef idx="1">
-            <a:schemeClr val="accent1"/>
-          </a:fillRef>
-          <a:effectRef idx="0">
-            <a:schemeClr val="accent1"/>
-          </a:effectRef>
-          <a:fontRef idx="minor">
-            <a:schemeClr val="lt1"/>
-          </a:fontRef>
-        </p:style>
-        <p:txBody>
-          <a:bodyPr rtlCol="0" anchor="ctr"/>
-          <a:lstStyle/>
-          <a:p>
-            <a:pPr algn="ctr"/>
-            <a:r>
-              <a:rPr lang="pt-BR"/>
-              <a:t>calibra_curva_s</a:t>
-            </a:r>
-            <a:endParaRPr lang="en-US"/>
-          </a:p>
-        </p:txBody>
-      </p:sp>
-      <p:sp>
-        <p:nvSpPr>
-          <p:cNvPr id="18" name="Retângulo 17"/>
-          <p:cNvSpPr/>
-          <p:nvPr/>
-        </p:nvSpPr>
-        <p:spPr>
-          <a:xfrm>
-            <a:off x="4908040" y="3804168"/>
-            <a:ext cx="2077375" cy="415764"/>
-          </a:xfrm>
-          <a:prstGeom prst="rect">
-            <a:avLst/>
-          </a:prstGeom>
-          <a:solidFill>
-            <a:schemeClr val="accent5">
-              <a:lumMod val="75000"/>
-            </a:schemeClr>
-          </a:solidFill>
-        </p:spPr>
-        <p:style>
-          <a:lnRef idx="2">
-            <a:schemeClr val="accent1">
-              <a:shade val="50000"/>
-            </a:schemeClr>
-          </a:lnRef>
-          <a:fillRef idx="1">
-            <a:schemeClr val="accent1"/>
-          </a:fillRef>
-          <a:effectRef idx="0">
-            <a:schemeClr val="accent1"/>
-          </a:effectRef>
-          <a:fontRef idx="minor">
-            <a:schemeClr val="lt1"/>
-          </a:fontRef>
-        </p:style>
-        <p:txBody>
-          <a:bodyPr rtlCol="0" anchor="ctr"/>
-          <a:lstStyle/>
-          <a:p>
-            <a:pPr algn="ctr"/>
-            <a:r>
-              <a:rPr lang="pt-BR"/>
-              <a:t>proj_adotantes</a:t>
-            </a:r>
-            <a:endParaRPr lang="en-US"/>
-          </a:p>
-        </p:txBody>
-      </p:sp>
-      <p:sp>
-        <p:nvSpPr>
-          <p:cNvPr id="19" name="Retângulo 18"/>
-          <p:cNvSpPr/>
-          <p:nvPr/>
-        </p:nvSpPr>
-        <p:spPr>
-          <a:xfrm>
-            <a:off x="4908040" y="4488406"/>
-            <a:ext cx="2077375" cy="415764"/>
-          </a:xfrm>
-          <a:prstGeom prst="rect">
-            <a:avLst/>
-          </a:prstGeom>
-          <a:solidFill>
-            <a:schemeClr val="accent5">
-              <a:lumMod val="75000"/>
-            </a:schemeClr>
-          </a:solidFill>
-        </p:spPr>
-        <p:style>
-          <a:lnRef idx="2">
-            <a:schemeClr val="accent1">
-              <a:shade val="50000"/>
-            </a:schemeClr>
-          </a:lnRef>
-          <a:fillRef idx="1">
-            <a:schemeClr val="accent1"/>
-          </a:fillRef>
-          <a:effectRef idx="0">
-            <a:schemeClr val="accent1"/>
-          </a:effectRef>
-          <a:fontRef idx="minor">
-            <a:schemeClr val="lt1"/>
-          </a:fontRef>
-        </p:style>
-        <p:txBody>
-          <a:bodyPr rtlCol="0" anchor="ctr"/>
-          <a:lstStyle/>
-          <a:p>
-            <a:pPr algn="ctr"/>
-            <a:r>
-              <a:rPr lang="pt-BR"/>
-              <a:t>proj_potencia</a:t>
-            </a:r>
-            <a:endParaRPr lang="en-US"/>
-          </a:p>
-        </p:txBody>
-      </p:sp>
-      <p:sp>
-        <p:nvSpPr>
-          <p:cNvPr id="20" name="Retângulo 19"/>
-          <p:cNvSpPr/>
-          <p:nvPr/>
-        </p:nvSpPr>
-        <p:spPr>
-          <a:xfrm>
-            <a:off x="4908039" y="5175971"/>
-            <a:ext cx="2077375" cy="415764"/>
-          </a:xfrm>
-          <a:prstGeom prst="rect">
-            <a:avLst/>
-          </a:prstGeom>
-          <a:solidFill>
-            <a:schemeClr val="accent5">
-              <a:lumMod val="75000"/>
-            </a:schemeClr>
-          </a:solidFill>
-        </p:spPr>
-        <p:style>
-          <a:lnRef idx="2">
-            <a:schemeClr val="accent1">
-              <a:shade val="50000"/>
-            </a:schemeClr>
-          </a:lnRef>
-          <a:fillRef idx="1">
-            <a:schemeClr val="accent1"/>
-          </a:fillRef>
-          <a:effectRef idx="0">
-            <a:schemeClr val="accent1"/>
-          </a:effectRef>
-          <a:fontRef idx="minor">
-            <a:schemeClr val="lt1"/>
-          </a:fontRef>
-        </p:style>
-        <p:txBody>
-          <a:bodyPr rtlCol="0" anchor="ctr"/>
-          <a:lstStyle/>
-          <a:p>
-            <a:pPr algn="ctr"/>
-            <a:r>
-              <a:rPr lang="pt-BR"/>
-              <a:t>proj_mensal</a:t>
-            </a:r>
-            <a:endParaRPr lang="en-US"/>
-          </a:p>
-        </p:txBody>
-      </p:sp>
-      <p:sp>
-        <p:nvSpPr>
-          <p:cNvPr id="39" name="Retângulo 38"/>
-          <p:cNvSpPr/>
-          <p:nvPr/>
-        </p:nvSpPr>
-        <p:spPr>
-          <a:xfrm>
-            <a:off x="7565681" y="5175971"/>
-            <a:ext cx="1773189" cy="415764"/>
-          </a:xfrm>
-          <a:prstGeom prst="rect">
-            <a:avLst/>
-          </a:prstGeom>
-          <a:solidFill>
-            <a:schemeClr val="accent5">
-              <a:lumMod val="75000"/>
-            </a:schemeClr>
-          </a:solidFill>
-        </p:spPr>
-        <p:style>
-          <a:lnRef idx="2">
-            <a:schemeClr val="accent1">
-              <a:shade val="50000"/>
-            </a:schemeClr>
-          </a:lnRef>
-          <a:fillRef idx="1">
-            <a:schemeClr val="accent1"/>
-          </a:fillRef>
-          <a:effectRef idx="0">
-            <a:schemeClr val="accent1"/>
-          </a:effectRef>
-          <a:fontRef idx="minor">
-            <a:schemeClr val="lt1"/>
-          </a:fontRef>
-        </p:style>
-        <p:txBody>
-          <a:bodyPr rtlCol="0" anchor="ctr"/>
-          <a:lstStyle/>
-          <a:p>
-            <a:pPr algn="ctr"/>
-            <a:r>
-              <a:rPr lang="pt-BR"/>
-              <a:t>investimentos</a:t>
-            </a:r>
-            <a:endParaRPr lang="en-US"/>
-          </a:p>
-        </p:txBody>
-      </p:sp>
-      <p:sp>
-        <p:nvSpPr>
-          <p:cNvPr id="40" name="Retângulo 39"/>
-          <p:cNvSpPr/>
-          <p:nvPr/>
-        </p:nvSpPr>
-        <p:spPr>
-          <a:xfrm>
-            <a:off x="1830679" y="5175971"/>
-            <a:ext cx="2077375" cy="415764"/>
-          </a:xfrm>
-          <a:prstGeom prst="rect">
-            <a:avLst/>
-          </a:prstGeom>
-          <a:solidFill>
-            <a:schemeClr val="accent5">
-              <a:lumMod val="75000"/>
-            </a:schemeClr>
-          </a:solidFill>
-        </p:spPr>
-        <p:style>
-          <a:lnRef idx="2">
-            <a:schemeClr val="accent1">
-              <a:shade val="50000"/>
-            </a:schemeClr>
-          </a:lnRef>
-          <a:fillRef idx="1">
-            <a:schemeClr val="accent1"/>
-          </a:fillRef>
-          <a:effectRef idx="0">
-            <a:schemeClr val="accent1"/>
-          </a:effectRef>
-          <a:fontRef idx="minor">
-            <a:schemeClr val="lt1"/>
-          </a:fontRef>
-        </p:style>
-        <p:txBody>
-          <a:bodyPr rtlCol="0" anchor="ctr"/>
-          <a:lstStyle/>
-          <a:p>
-            <a:pPr algn="ctr"/>
-            <a:r>
-              <a:rPr lang="pt-BR" err="1"/>
-              <a:t>graficos</a:t>
-            </a:r>
-            <a:endParaRPr lang="en-US"/>
-          </a:p>
-        </p:txBody>
-      </p:sp>
-      <p:sp>
-        <p:nvSpPr>
-          <p:cNvPr id="41" name="Retângulo 40"/>
-          <p:cNvSpPr/>
-          <p:nvPr/>
-        </p:nvSpPr>
-        <p:spPr>
-          <a:xfrm>
-            <a:off x="1830679" y="4461863"/>
-            <a:ext cx="2077375" cy="415764"/>
-          </a:xfrm>
-          <a:prstGeom prst="rect">
-            <a:avLst/>
-          </a:prstGeom>
-          <a:solidFill>
-            <a:schemeClr val="accent5">
-              <a:lumMod val="75000"/>
-            </a:schemeClr>
-          </a:solidFill>
-        </p:spPr>
-        <p:style>
-          <a:lnRef idx="2">
-            <a:schemeClr val="accent1">
-              <a:shade val="50000"/>
-            </a:schemeClr>
-          </a:lnRef>
-          <a:fillRef idx="1">
-            <a:schemeClr val="accent1"/>
-          </a:fillRef>
-          <a:effectRef idx="0">
-            <a:schemeClr val="accent1"/>
-          </a:effectRef>
-          <a:fontRef idx="minor">
-            <a:schemeClr val="lt1"/>
-          </a:fontRef>
-        </p:style>
-        <p:txBody>
-          <a:bodyPr rtlCol="0" anchor="ctr"/>
-          <a:lstStyle/>
-          <a:p>
-            <a:pPr algn="ctr"/>
-            <a:r>
-              <a:rPr lang="pt-BR"/>
-              <a:t>fatores_publicacao</a:t>
-            </a:r>
-            <a:endParaRPr lang="en-US"/>
-          </a:p>
-        </p:txBody>
-      </p:sp>
-      <p:cxnSp>
-        <p:nvCxnSpPr>
-          <p:cNvPr id="43" name="Conector de seta reta 42"/>
-          <p:cNvCxnSpPr>
-            <a:stCxn id="5" idx="2"/>
-            <a:endCxn id="6" idx="0"/>
-          </p:cNvCxnSpPr>
-          <p:nvPr/>
-        </p:nvCxnSpPr>
-        <p:spPr>
-          <a:xfrm>
-            <a:off x="3725054" y="1888759"/>
-            <a:ext cx="0" cy="298344"/>
-          </a:xfrm>
-          <a:prstGeom prst="straightConnector1">
-            <a:avLst/>
-          </a:prstGeom>
-          <a:ln>
-            <a:solidFill>
-              <a:schemeClr val="bg1">
-                <a:lumMod val="50000"/>
-              </a:schemeClr>
-            </a:solidFill>
-            <a:tailEnd type="triangle"/>
-          </a:ln>
-        </p:spPr>
-        <p:style>
-          <a:lnRef idx="1">
-            <a:schemeClr val="accent1"/>
-          </a:lnRef>
-          <a:fillRef idx="0">
-            <a:schemeClr val="accent1"/>
-          </a:fillRef>
-          <a:effectRef idx="0">
-            <a:schemeClr val="accent1"/>
-          </a:effectRef>
-          <a:fontRef idx="minor">
-            <a:schemeClr val="tx1"/>
-          </a:fontRef>
-        </p:style>
-      </p:cxnSp>
-      <p:cxnSp>
-        <p:nvCxnSpPr>
-          <p:cNvPr id="49" name="Conector angulado 48"/>
-          <p:cNvCxnSpPr>
-            <a:stCxn id="6" idx="2"/>
-            <a:endCxn id="17" idx="0"/>
-          </p:cNvCxnSpPr>
-          <p:nvPr/>
-        </p:nvCxnSpPr>
-        <p:spPr>
-          <a:xfrm rot="16200000" flipH="1">
-            <a:off x="4595994" y="1731926"/>
-            <a:ext cx="479793" cy="2221673"/>
-          </a:xfrm>
-          <a:prstGeom prst="bentConnector3">
-            <a:avLst/>
-          </a:prstGeom>
-          <a:ln>
-            <a:solidFill>
-              <a:schemeClr val="bg1">
-                <a:lumMod val="50000"/>
-              </a:schemeClr>
-            </a:solidFill>
-            <a:tailEnd type="triangle"/>
-          </a:ln>
-        </p:spPr>
-        <p:style>
-          <a:lnRef idx="1">
-            <a:schemeClr val="accent1"/>
-          </a:lnRef>
-          <a:fillRef idx="0">
-            <a:schemeClr val="accent1"/>
-          </a:fillRef>
-          <a:effectRef idx="0">
-            <a:schemeClr val="accent1"/>
-          </a:effectRef>
-          <a:fontRef idx="minor">
-            <a:schemeClr val="tx1"/>
-          </a:fontRef>
-        </p:style>
-      </p:cxnSp>
-      <p:cxnSp>
-        <p:nvCxnSpPr>
-          <p:cNvPr id="51" name="Conector de seta reta 50"/>
-          <p:cNvCxnSpPr>
-            <a:stCxn id="17" idx="2"/>
-            <a:endCxn id="18" idx="0"/>
-          </p:cNvCxnSpPr>
-          <p:nvPr/>
-        </p:nvCxnSpPr>
-        <p:spPr>
-          <a:xfrm>
-            <a:off x="5946727" y="3498424"/>
-            <a:ext cx="1" cy="305744"/>
-          </a:xfrm>
-          <a:prstGeom prst="straightConnector1">
-            <a:avLst/>
-          </a:prstGeom>
-          <a:ln>
-            <a:solidFill>
-              <a:schemeClr val="bg1">
-                <a:lumMod val="50000"/>
-              </a:schemeClr>
-            </a:solidFill>
-            <a:tailEnd type="triangle"/>
-          </a:ln>
-        </p:spPr>
-        <p:style>
-          <a:lnRef idx="1">
-            <a:schemeClr val="accent1"/>
-          </a:lnRef>
-          <a:fillRef idx="0">
-            <a:schemeClr val="accent1"/>
-          </a:fillRef>
-          <a:effectRef idx="0">
-            <a:schemeClr val="accent1"/>
-          </a:effectRef>
-          <a:fontRef idx="minor">
-            <a:schemeClr val="tx1"/>
-          </a:fontRef>
-        </p:style>
-      </p:cxnSp>
-      <p:cxnSp>
-        <p:nvCxnSpPr>
-          <p:cNvPr id="53" name="Conector de seta reta 52"/>
-          <p:cNvCxnSpPr>
-            <a:stCxn id="18" idx="2"/>
-            <a:endCxn id="19" idx="0"/>
-          </p:cNvCxnSpPr>
-          <p:nvPr/>
-        </p:nvCxnSpPr>
-        <p:spPr>
-          <a:xfrm>
-            <a:off x="5946728" y="4219932"/>
-            <a:ext cx="0" cy="268474"/>
-          </a:xfrm>
-          <a:prstGeom prst="straightConnector1">
-            <a:avLst/>
-          </a:prstGeom>
-          <a:ln>
-            <a:solidFill>
-              <a:schemeClr val="bg1">
-                <a:lumMod val="50000"/>
-              </a:schemeClr>
-            </a:solidFill>
-            <a:tailEnd type="triangle"/>
-          </a:ln>
-        </p:spPr>
-        <p:style>
-          <a:lnRef idx="1">
-            <a:schemeClr val="accent1"/>
-          </a:lnRef>
-          <a:fillRef idx="0">
-            <a:schemeClr val="accent1"/>
-          </a:fillRef>
-          <a:effectRef idx="0">
-            <a:schemeClr val="accent1"/>
-          </a:effectRef>
-          <a:fontRef idx="minor">
-            <a:schemeClr val="tx1"/>
-          </a:fontRef>
-        </p:style>
-      </p:cxnSp>
-      <p:cxnSp>
-        <p:nvCxnSpPr>
-          <p:cNvPr id="55" name="Conector de seta reta 54"/>
-          <p:cNvCxnSpPr>
-            <a:stCxn id="19" idx="2"/>
-            <a:endCxn id="20" idx="0"/>
-          </p:cNvCxnSpPr>
-          <p:nvPr/>
-        </p:nvCxnSpPr>
-        <p:spPr>
-          <a:xfrm flipH="1">
-            <a:off x="5946727" y="4904170"/>
-            <a:ext cx="1" cy="271801"/>
-          </a:xfrm>
-          <a:prstGeom prst="straightConnector1">
-            <a:avLst/>
-          </a:prstGeom>
-          <a:ln>
-            <a:solidFill>
-              <a:schemeClr val="bg1">
-                <a:lumMod val="50000"/>
-              </a:schemeClr>
-            </a:solidFill>
-            <a:tailEnd type="triangle"/>
-          </a:ln>
-        </p:spPr>
-        <p:style>
-          <a:lnRef idx="1">
-            <a:schemeClr val="accent1"/>
-          </a:lnRef>
-          <a:fillRef idx="0">
-            <a:schemeClr val="accent1"/>
-          </a:fillRef>
-          <a:effectRef idx="0">
-            <a:schemeClr val="accent1"/>
-          </a:effectRef>
-          <a:fontRef idx="minor">
-            <a:schemeClr val="tx1"/>
-          </a:fontRef>
-        </p:style>
-      </p:cxnSp>
-      <p:cxnSp>
-        <p:nvCxnSpPr>
-          <p:cNvPr id="57" name="Conector de seta reta 56"/>
-          <p:cNvCxnSpPr>
-            <a:stCxn id="41" idx="2"/>
-            <a:endCxn id="40" idx="0"/>
-          </p:cNvCxnSpPr>
-          <p:nvPr/>
-        </p:nvCxnSpPr>
-        <p:spPr>
-          <a:xfrm>
-            <a:off x="2869367" y="4877627"/>
-            <a:ext cx="0" cy="298344"/>
-          </a:xfrm>
-          <a:prstGeom prst="straightConnector1">
-            <a:avLst/>
-          </a:prstGeom>
-          <a:ln>
-            <a:solidFill>
-              <a:schemeClr val="bg1">
-                <a:lumMod val="50000"/>
-              </a:schemeClr>
-            </a:solidFill>
-            <a:tailEnd type="triangle"/>
-          </a:ln>
-        </p:spPr>
-        <p:style>
-          <a:lnRef idx="1">
-            <a:schemeClr val="accent1"/>
-          </a:lnRef>
-          <a:fillRef idx="0">
-            <a:schemeClr val="accent1"/>
-          </a:fillRef>
-          <a:effectRef idx="0">
-            <a:schemeClr val="accent1"/>
-          </a:effectRef>
-          <a:fontRef idx="minor">
-            <a:schemeClr val="tx1"/>
-          </a:fontRef>
-        </p:style>
-      </p:cxnSp>
-      <p:cxnSp>
-        <p:nvCxnSpPr>
-          <p:cNvPr id="60" name="Conector de seta reta 59"/>
-          <p:cNvCxnSpPr>
-            <a:stCxn id="20" idx="1"/>
-            <a:endCxn id="40" idx="3"/>
-          </p:cNvCxnSpPr>
-          <p:nvPr/>
-        </p:nvCxnSpPr>
-        <p:spPr>
-          <a:xfrm flipH="1">
-            <a:off x="3908054" y="5383853"/>
-            <a:ext cx="999985" cy="0"/>
-          </a:xfrm>
-          <a:prstGeom prst="straightConnector1">
-            <a:avLst/>
-          </a:prstGeom>
-          <a:ln>
-            <a:solidFill>
-              <a:schemeClr val="bg1">
-                <a:lumMod val="50000"/>
-              </a:schemeClr>
-            </a:solidFill>
-            <a:tailEnd type="triangle"/>
-          </a:ln>
-        </p:spPr>
-        <p:style>
-          <a:lnRef idx="1">
-            <a:schemeClr val="accent1"/>
-          </a:lnRef>
-          <a:fillRef idx="0">
-            <a:schemeClr val="accent1"/>
-          </a:fillRef>
-          <a:effectRef idx="0">
-            <a:schemeClr val="accent1"/>
-          </a:effectRef>
-          <a:fontRef idx="minor">
-            <a:schemeClr val="tx1"/>
-          </a:fontRef>
-        </p:style>
-      </p:cxnSp>
-      <p:cxnSp>
-        <p:nvCxnSpPr>
-          <p:cNvPr id="10" name="Conector de seta reta 9"/>
-          <p:cNvCxnSpPr>
-            <a:stCxn id="16" idx="2"/>
-            <a:endCxn id="17" idx="0"/>
-          </p:cNvCxnSpPr>
-          <p:nvPr/>
-        </p:nvCxnSpPr>
-        <p:spPr>
-          <a:xfrm>
-            <a:off x="5946727" y="1888760"/>
-            <a:ext cx="0" cy="1193900"/>
-          </a:xfrm>
-          <a:prstGeom prst="straightConnector1">
-            <a:avLst/>
-          </a:prstGeom>
-          <a:ln>
-            <a:solidFill>
-              <a:schemeClr val="bg1">
-                <a:lumMod val="50000"/>
-              </a:schemeClr>
-            </a:solidFill>
-            <a:tailEnd type="triangle"/>
-          </a:ln>
-        </p:spPr>
-        <p:style>
-          <a:lnRef idx="1">
-            <a:schemeClr val="accent1"/>
-          </a:lnRef>
-          <a:fillRef idx="0">
-            <a:schemeClr val="accent1"/>
-          </a:fillRef>
-          <a:effectRef idx="0">
-            <a:schemeClr val="accent1"/>
-          </a:effectRef>
-          <a:fontRef idx="minor">
-            <a:schemeClr val="tx1"/>
-          </a:fontRef>
-        </p:style>
-      </p:cxnSp>
-      <p:cxnSp>
-        <p:nvCxnSpPr>
-          <p:cNvPr id="13" name="Conector reto 12"/>
-          <p:cNvCxnSpPr/>
-          <p:nvPr/>
-        </p:nvCxnSpPr>
-        <p:spPr>
-          <a:xfrm>
-            <a:off x="2518346" y="1274162"/>
-            <a:ext cx="29981" cy="2224262"/>
-          </a:xfrm>
-          <a:prstGeom prst="line">
-            <a:avLst/>
-          </a:prstGeom>
-          <a:ln w="12700">
-            <a:solidFill>
-              <a:srgbClr val="C00000"/>
-            </a:solidFill>
-            <a:prstDash val="dash"/>
-          </a:ln>
-        </p:spPr>
-        <p:style>
-          <a:lnRef idx="1">
-            <a:schemeClr val="accent1"/>
-          </a:lnRef>
-          <a:fillRef idx="0">
-            <a:schemeClr val="accent1"/>
-          </a:fillRef>
-          <a:effectRef idx="0">
-            <a:schemeClr val="accent1"/>
-          </a:effectRef>
-          <a:fontRef idx="minor">
-            <a:schemeClr val="tx1"/>
-          </a:fontRef>
-        </p:style>
-      </p:cxnSp>
-      <p:cxnSp>
-        <p:nvCxnSpPr>
-          <p:cNvPr id="15" name="Conector reto 14"/>
-          <p:cNvCxnSpPr/>
-          <p:nvPr/>
-        </p:nvCxnSpPr>
-        <p:spPr>
-          <a:xfrm>
-            <a:off x="2548327" y="3498424"/>
-            <a:ext cx="1978701" cy="0"/>
-          </a:xfrm>
-          <a:prstGeom prst="line">
-            <a:avLst/>
-          </a:prstGeom>
-          <a:ln w="12700">
-            <a:solidFill>
-              <a:srgbClr val="C00000"/>
-            </a:solidFill>
-            <a:prstDash val="dash"/>
-          </a:ln>
-        </p:spPr>
-        <p:style>
-          <a:lnRef idx="1">
-            <a:schemeClr val="accent1"/>
-          </a:lnRef>
-          <a:fillRef idx="0">
-            <a:schemeClr val="accent1"/>
-          </a:fillRef>
-          <a:effectRef idx="0">
-            <a:schemeClr val="accent1"/>
-          </a:effectRef>
-          <a:fontRef idx="minor">
-            <a:schemeClr val="tx1"/>
-          </a:fontRef>
-        </p:style>
-      </p:cxnSp>
-      <p:cxnSp>
-        <p:nvCxnSpPr>
-          <p:cNvPr id="24" name="Conector reto 23"/>
-          <p:cNvCxnSpPr/>
-          <p:nvPr/>
-        </p:nvCxnSpPr>
-        <p:spPr>
-          <a:xfrm>
-            <a:off x="4542018" y="5756221"/>
-            <a:ext cx="2818151" cy="0"/>
-          </a:xfrm>
-          <a:prstGeom prst="line">
-            <a:avLst/>
-          </a:prstGeom>
-          <a:ln w="12700">
-            <a:solidFill>
-              <a:srgbClr val="C00000"/>
-            </a:solidFill>
-            <a:prstDash val="dash"/>
-          </a:ln>
-        </p:spPr>
-        <p:style>
-          <a:lnRef idx="1">
-            <a:schemeClr val="accent1"/>
-          </a:lnRef>
-          <a:fillRef idx="0">
-            <a:schemeClr val="accent1"/>
-          </a:fillRef>
-          <a:effectRef idx="0">
-            <a:schemeClr val="accent1"/>
-          </a:effectRef>
-          <a:fontRef idx="minor">
-            <a:schemeClr val="tx1"/>
-          </a:fontRef>
-        </p:style>
-      </p:cxnSp>
-      <p:cxnSp>
-        <p:nvCxnSpPr>
-          <p:cNvPr id="26" name="Conector reto 25"/>
-          <p:cNvCxnSpPr/>
-          <p:nvPr/>
-        </p:nvCxnSpPr>
-        <p:spPr>
-          <a:xfrm flipV="1">
-            <a:off x="7360169" y="1274163"/>
-            <a:ext cx="0" cy="4482058"/>
-          </a:xfrm>
-          <a:prstGeom prst="line">
-            <a:avLst/>
-          </a:prstGeom>
-          <a:ln w="12700">
-            <a:solidFill>
-              <a:srgbClr val="C00000"/>
-            </a:solidFill>
-            <a:prstDash val="dash"/>
-          </a:ln>
-        </p:spPr>
-        <p:style>
-          <a:lnRef idx="1">
-            <a:schemeClr val="accent1"/>
-          </a:lnRef>
-          <a:fillRef idx="0">
-            <a:schemeClr val="accent1"/>
-          </a:fillRef>
-          <a:effectRef idx="0">
-            <a:schemeClr val="accent1"/>
-          </a:effectRef>
-          <a:fontRef idx="minor">
-            <a:schemeClr val="tx1"/>
-          </a:fontRef>
-        </p:style>
-      </p:cxnSp>
-      <p:cxnSp>
-        <p:nvCxnSpPr>
-          <p:cNvPr id="30" name="Conector reto 29"/>
-          <p:cNvCxnSpPr/>
-          <p:nvPr/>
-        </p:nvCxnSpPr>
-        <p:spPr>
-          <a:xfrm>
-            <a:off x="2518346" y="1274162"/>
-            <a:ext cx="4841823" cy="0"/>
-          </a:xfrm>
-          <a:prstGeom prst="line">
-            <a:avLst/>
-          </a:prstGeom>
-          <a:ln w="12700">
-            <a:solidFill>
-              <a:srgbClr val="C00000"/>
-            </a:solidFill>
-            <a:prstDash val="dash"/>
-          </a:ln>
-        </p:spPr>
-        <p:style>
-          <a:lnRef idx="1">
-            <a:schemeClr val="accent1"/>
-          </a:lnRef>
-          <a:fillRef idx="0">
-            <a:schemeClr val="accent1"/>
-          </a:fillRef>
-          <a:effectRef idx="0">
-            <a:schemeClr val="accent1"/>
-          </a:effectRef>
-          <a:fontRef idx="minor">
-            <a:schemeClr val="tx1"/>
-          </a:fontRef>
-        </p:style>
-      </p:cxnSp>
-      <p:cxnSp>
-        <p:nvCxnSpPr>
-          <p:cNvPr id="33" name="Conector reto 32"/>
-          <p:cNvCxnSpPr/>
-          <p:nvPr/>
-        </p:nvCxnSpPr>
-        <p:spPr>
-          <a:xfrm>
-            <a:off x="4527027" y="3498424"/>
-            <a:ext cx="0" cy="2257797"/>
-          </a:xfrm>
-          <a:prstGeom prst="line">
-            <a:avLst/>
-          </a:prstGeom>
-          <a:ln w="12700">
-            <a:solidFill>
-              <a:srgbClr val="C00000"/>
-            </a:solidFill>
-            <a:prstDash val="dash"/>
-          </a:ln>
-        </p:spPr>
-        <p:style>
-          <a:lnRef idx="1">
-            <a:schemeClr val="accent1"/>
-          </a:lnRef>
-          <a:fillRef idx="0">
-            <a:schemeClr val="accent1"/>
-          </a:fillRef>
-          <a:effectRef idx="0">
-            <a:schemeClr val="accent1"/>
-          </a:effectRef>
-          <a:fontRef idx="minor">
-            <a:schemeClr val="tx1"/>
-          </a:fontRef>
-        </p:style>
-      </p:cxnSp>
-      <p:sp>
-        <p:nvSpPr>
-          <p:cNvPr id="48" name="Retângulo 47"/>
-          <p:cNvSpPr/>
-          <p:nvPr/>
-        </p:nvSpPr>
-        <p:spPr>
-          <a:xfrm>
-            <a:off x="7375161" y="2138172"/>
-            <a:ext cx="1963708" cy="464694"/>
-          </a:xfrm>
-          <a:prstGeom prst="rect">
-            <a:avLst/>
-          </a:prstGeom>
-          <a:solidFill>
-            <a:srgbClr val="953735"/>
-          </a:solidFill>
-          <a:ln>
-            <a:noFill/>
-          </a:ln>
-        </p:spPr>
-        <p:style>
-          <a:lnRef idx="2">
-            <a:schemeClr val="accent1">
-              <a:shade val="50000"/>
-            </a:schemeClr>
-          </a:lnRef>
-          <a:fillRef idx="1">
-            <a:schemeClr val="accent1"/>
-          </a:fillRef>
-          <a:effectRef idx="0">
-            <a:schemeClr val="accent1"/>
-          </a:effectRef>
-          <a:fontRef idx="minor">
-            <a:schemeClr val="lt1"/>
-          </a:fontRef>
-        </p:style>
-        <p:txBody>
-          <a:bodyPr rtlCol="0" anchor="ctr"/>
-          <a:lstStyle/>
-          <a:p>
-            <a:pPr algn="ctr"/>
-            <a:r>
-              <a:rPr lang="pt-BR"/>
-              <a:t>calculate</a:t>
-            </a:r>
-            <a:endParaRPr lang="en-US"/>
-          </a:p>
-        </p:txBody>
-      </p:sp>
-      <p:sp>
-        <p:nvSpPr>
-          <p:cNvPr id="52" name="Retângulo 51"/>
-          <p:cNvSpPr/>
-          <p:nvPr/>
-        </p:nvSpPr>
-        <p:spPr>
-          <a:xfrm>
-            <a:off x="7565681" y="3099428"/>
-            <a:ext cx="1773189" cy="415764"/>
-          </a:xfrm>
-          <a:prstGeom prst="rect">
-            <a:avLst/>
-          </a:prstGeom>
-          <a:solidFill>
-            <a:srgbClr val="953735"/>
-          </a:solidFill>
-          <a:ln>
-            <a:noFill/>
-          </a:ln>
-        </p:spPr>
-        <p:style>
-          <a:lnRef idx="2">
-            <a:schemeClr val="accent1">
-              <a:shade val="50000"/>
-            </a:schemeClr>
-          </a:lnRef>
-          <a:fillRef idx="1">
-            <a:schemeClr val="accent1"/>
-          </a:fillRef>
-          <a:effectRef idx="0">
-            <a:schemeClr val="accent1"/>
-          </a:effectRef>
-          <a:fontRef idx="minor">
-            <a:schemeClr val="lt1"/>
-          </a:fontRef>
-        </p:style>
-        <p:txBody>
-          <a:bodyPr rtlCol="0" anchor="ctr"/>
-          <a:lstStyle/>
-          <a:p>
-            <a:pPr algn="ctr"/>
-            <a:r>
-              <a:rPr lang="pt-BR"/>
-              <a:t>summarise</a:t>
-            </a:r>
-            <a:endParaRPr lang="en-US"/>
-          </a:p>
-        </p:txBody>
-      </p:sp>
-      <p:cxnSp>
-        <p:nvCxnSpPr>
-          <p:cNvPr id="37" name="Conector de seta reta 36"/>
-          <p:cNvCxnSpPr>
-            <a:stCxn id="20" idx="3"/>
-            <a:endCxn id="39" idx="1"/>
-          </p:cNvCxnSpPr>
-          <p:nvPr/>
-        </p:nvCxnSpPr>
-        <p:spPr>
-          <a:xfrm>
-            <a:off x="6985414" y="5383853"/>
-            <a:ext cx="580267" cy="0"/>
-          </a:xfrm>
-          <a:prstGeom prst="straightConnector1">
-            <a:avLst/>
-          </a:prstGeom>
-          <a:ln>
-            <a:solidFill>
-              <a:schemeClr val="bg1">
-                <a:lumMod val="50000"/>
-              </a:schemeClr>
-            </a:solidFill>
-            <a:tailEnd type="triangle"/>
-          </a:ln>
-        </p:spPr>
-        <p:style>
-          <a:lnRef idx="1">
-            <a:schemeClr val="accent1"/>
-          </a:lnRef>
-          <a:fillRef idx="0">
-            <a:schemeClr val="accent1"/>
-          </a:fillRef>
-          <a:effectRef idx="0">
-            <a:schemeClr val="accent1"/>
-          </a:effectRef>
-          <a:fontRef idx="minor">
-            <a:schemeClr val="tx1"/>
-          </a:fontRef>
-        </p:style>
-      </p:cxnSp>
-      <p:cxnSp>
-        <p:nvCxnSpPr>
-          <p:cNvPr id="21" name="Conector de seta reta 20"/>
-          <p:cNvCxnSpPr>
-            <a:stCxn id="48" idx="2"/>
-          </p:cNvCxnSpPr>
-          <p:nvPr/>
-        </p:nvCxnSpPr>
-        <p:spPr>
-          <a:xfrm>
-            <a:off x="8357015" y="2602866"/>
-            <a:ext cx="0" cy="479794"/>
-          </a:xfrm>
-          <a:prstGeom prst="straightConnector1">
-            <a:avLst/>
-          </a:prstGeom>
-          <a:ln>
-            <a:solidFill>
-              <a:schemeClr val="bg1">
-                <a:lumMod val="50000"/>
-              </a:schemeClr>
-            </a:solidFill>
-            <a:tailEnd type="triangle"/>
-          </a:ln>
-        </p:spPr>
-        <p:style>
-          <a:lnRef idx="1">
-            <a:schemeClr val="accent1"/>
-          </a:lnRef>
-          <a:fillRef idx="0">
-            <a:schemeClr val="accent1"/>
-          </a:fillRef>
-          <a:effectRef idx="0">
-            <a:schemeClr val="accent1"/>
-          </a:effectRef>
-          <a:fontRef idx="minor">
-            <a:schemeClr val="tx1"/>
-          </a:fontRef>
-        </p:style>
-      </p:cxnSp>
-      <p:sp>
-        <p:nvSpPr>
-          <p:cNvPr id="44" name="Retângulo 43"/>
-          <p:cNvSpPr/>
-          <p:nvPr/>
-        </p:nvSpPr>
-        <p:spPr>
-          <a:xfrm>
-            <a:off x="1830677" y="3774188"/>
-            <a:ext cx="2077375" cy="415764"/>
-          </a:xfrm>
-          <a:prstGeom prst="rect">
-            <a:avLst/>
-          </a:prstGeom>
-          <a:solidFill>
-            <a:schemeClr val="tx1">
-              <a:lumMod val="65000"/>
-              <a:lumOff val="35000"/>
-            </a:schemeClr>
-          </a:solidFill>
-          <a:ln>
-            <a:noFill/>
-          </a:ln>
-        </p:spPr>
-        <p:style>
-          <a:lnRef idx="2">
-            <a:schemeClr val="accent1">
-              <a:shade val="50000"/>
-            </a:schemeClr>
-          </a:lnRef>
-          <a:fillRef idx="1">
-            <a:schemeClr val="accent1"/>
-          </a:fillRef>
-          <a:effectRef idx="0">
-            <a:schemeClr val="accent1"/>
-          </a:effectRef>
-          <a:fontRef idx="minor">
-            <a:schemeClr val="lt1"/>
-          </a:fontRef>
-        </p:style>
-        <p:txBody>
-          <a:bodyPr rtlCol="0" anchor="ctr"/>
-          <a:lstStyle/>
-          <a:p>
-            <a:pPr algn="ctr"/>
-            <a:r>
-              <a:rPr lang="pt-BR"/>
-              <a:t>Prepara_base</a:t>
-            </a:r>
-            <a:endParaRPr lang="en-US"/>
-          </a:p>
-        </p:txBody>
-      </p:sp>
-    </p:spTree>
-    <p:extLst>
-      <p:ext uri="{BB962C8B-B14F-4D97-AF65-F5344CB8AC3E}">
-        <p14:creationId xmlns:p14="http://schemas.microsoft.com/office/powerpoint/2010/main" val="1222788026"/>
-      </p:ext>
-    </p:extLst>
-  </p:cSld>
-  <p:clrMapOvr>
-    <a:masterClrMapping/>
-  </p:clrMapOvr>
-</p:sld>
-</file>
-
-<file path=ppt/slides/slide3.xml><?xml version="1.0" encoding="utf-8"?>
-<p:sld xmlns:a="http://schemas.openxmlformats.org/drawingml/2006/main" xmlns:r="http://schemas.openxmlformats.org/officeDocument/2006/relationships" xmlns:p="http://schemas.openxmlformats.org/presentationml/2006/main">
-  <p:cSld>
-    <p:spTree>
-      <p:nvGrpSpPr>
-        <p:cNvPr id="1" name=""/>
-        <p:cNvGrpSpPr/>
-        <p:nvPr/>
-      </p:nvGrpSpPr>
-      <p:grpSpPr>
-        <a:xfrm>
-          <a:off x="0" y="0"/>
-          <a:ext cx="0" cy="0"/>
-          <a:chOff x="0" y="0"/>
-          <a:chExt cx="0" cy="0"/>
-        </a:xfrm>
-      </p:grpSpPr>
-      <p:sp>
-        <p:nvSpPr>
-          <p:cNvPr id="4" name="CaixaDeTexto 3"/>
-          <p:cNvSpPr txBox="1"/>
-          <p:nvPr/>
-        </p:nvSpPr>
-        <p:spPr>
-          <a:xfrm>
-            <a:off x="464695" y="359764"/>
-            <a:ext cx="6115987" cy="400110"/>
-          </a:xfrm>
-          <a:prstGeom prst="rect">
-            <a:avLst/>
-          </a:prstGeom>
-          <a:noFill/>
-        </p:spPr>
-        <p:txBody>
-          <a:bodyPr wrap="square" rtlCol="0">
-            <a:spAutoFit/>
-          </a:bodyPr>
-          <a:lstStyle/>
-          <a:p>
-            <a:r>
-              <a:rPr lang="pt-BR" sz="2000">
-                <a:latin typeface="Gill Sans MT" panose="020B0502020104020203" pitchFamily="34" charset="0"/>
-              </a:rPr>
-              <a:t>Funções do pacote epe4md</a:t>
-            </a:r>
-            <a:endParaRPr lang="en-US" sz="2000">
-              <a:latin typeface="Gill Sans MT" panose="020B0502020104020203" pitchFamily="34" charset="0"/>
-            </a:endParaRPr>
-          </a:p>
-        </p:txBody>
-      </p:sp>
-      <p:sp>
-        <p:nvSpPr>
-          <p:cNvPr id="5" name="Retângulo 4"/>
-          <p:cNvSpPr/>
-          <p:nvPr/>
-        </p:nvSpPr>
-        <p:spPr>
-          <a:xfrm>
-            <a:off x="2923080" y="1424065"/>
-            <a:ext cx="1603947" cy="464694"/>
-          </a:xfrm>
-          <a:prstGeom prst="rect">
-            <a:avLst/>
-          </a:prstGeom>
-          <a:solidFill>
-            <a:schemeClr val="accent5">
-              <a:lumMod val="75000"/>
-            </a:schemeClr>
-          </a:solidFill>
-        </p:spPr>
-        <p:style>
-          <a:lnRef idx="2">
-            <a:schemeClr val="accent1">
-              <a:shade val="50000"/>
-            </a:schemeClr>
-          </a:lnRef>
-          <a:fillRef idx="1">
-            <a:schemeClr val="accent1"/>
-          </a:fillRef>
-          <a:effectRef idx="0">
-            <a:schemeClr val="accent1"/>
-          </a:effectRef>
-          <a:fontRef idx="minor">
-            <a:schemeClr val="lt1"/>
-          </a:fontRef>
-        </p:style>
-        <p:txBody>
-          <a:bodyPr rtlCol="0" anchor="ctr"/>
-          <a:lstStyle/>
-          <a:p>
-            <a:pPr algn="ctr"/>
-            <a:r>
-              <a:rPr lang="pt-BR"/>
-              <a:t>casos_payback</a:t>
-            </a:r>
-            <a:endParaRPr lang="en-US"/>
-          </a:p>
-        </p:txBody>
-      </p:sp>
-      <p:sp>
-        <p:nvSpPr>
-          <p:cNvPr id="6" name="Retângulo 5"/>
-          <p:cNvSpPr/>
-          <p:nvPr/>
-        </p:nvSpPr>
-        <p:spPr>
-          <a:xfrm>
-            <a:off x="2923080" y="2187103"/>
-            <a:ext cx="1603947" cy="415764"/>
-          </a:xfrm>
-          <a:prstGeom prst="rect">
-            <a:avLst/>
-          </a:prstGeom>
-          <a:solidFill>
-            <a:schemeClr val="accent5">
-              <a:lumMod val="75000"/>
-            </a:schemeClr>
-          </a:solidFill>
-        </p:spPr>
-        <p:style>
-          <a:lnRef idx="2">
-            <a:schemeClr val="accent1">
-              <a:shade val="50000"/>
-            </a:schemeClr>
-          </a:lnRef>
-          <a:fillRef idx="1">
-            <a:schemeClr val="accent1"/>
-          </a:fillRef>
-          <a:effectRef idx="0">
-            <a:schemeClr val="accent1"/>
-          </a:effectRef>
-          <a:fontRef idx="minor">
-            <a:schemeClr val="lt1"/>
-          </a:fontRef>
-        </p:style>
-        <p:txBody>
-          <a:bodyPr rtlCol="0" anchor="ctr"/>
-          <a:lstStyle/>
-          <a:p>
-            <a:pPr algn="ctr"/>
-            <a:r>
-              <a:rPr lang="pt-BR"/>
-              <a:t>payback</a:t>
-            </a:r>
-            <a:endParaRPr lang="en-US"/>
-          </a:p>
-        </p:txBody>
-      </p:sp>
-      <p:sp>
-        <p:nvSpPr>
-          <p:cNvPr id="16" name="Retângulo 15"/>
-          <p:cNvSpPr/>
-          <p:nvPr/>
-        </p:nvSpPr>
-        <p:spPr>
-          <a:xfrm>
-            <a:off x="4908039" y="1424066"/>
-            <a:ext cx="2077375" cy="464694"/>
-          </a:xfrm>
-          <a:prstGeom prst="rect">
-            <a:avLst/>
-          </a:prstGeom>
-          <a:solidFill>
-            <a:schemeClr val="accent5">
-              <a:lumMod val="75000"/>
-            </a:schemeClr>
-          </a:solidFill>
-        </p:spPr>
-        <p:style>
-          <a:lnRef idx="2">
-            <a:schemeClr val="accent1">
-              <a:shade val="50000"/>
-            </a:schemeClr>
-          </a:lnRef>
-          <a:fillRef idx="1">
-            <a:schemeClr val="accent1"/>
-          </a:fillRef>
-          <a:effectRef idx="0">
-            <a:schemeClr val="accent1"/>
-          </a:effectRef>
-          <a:fontRef idx="minor">
-            <a:schemeClr val="lt1"/>
-          </a:fontRef>
-        </p:style>
-        <p:txBody>
-          <a:bodyPr rtlCol="0" anchor="ctr"/>
-          <a:lstStyle/>
-          <a:p>
-            <a:pPr algn="ctr"/>
-            <a:r>
-              <a:rPr lang="pt-BR"/>
-              <a:t>mercado_potencial</a:t>
-            </a:r>
-            <a:endParaRPr lang="en-US"/>
-          </a:p>
-        </p:txBody>
-      </p:sp>
-      <p:sp>
-        <p:nvSpPr>
-          <p:cNvPr id="17" name="Retângulo 16"/>
-          <p:cNvSpPr/>
-          <p:nvPr/>
-        </p:nvSpPr>
-        <p:spPr>
-          <a:xfrm>
-            <a:off x="4908040" y="3082660"/>
-            <a:ext cx="2077374" cy="415764"/>
-          </a:xfrm>
-          <a:prstGeom prst="rect">
-            <a:avLst/>
-          </a:prstGeom>
-          <a:solidFill>
-            <a:schemeClr val="accent5">
-              <a:lumMod val="75000"/>
-            </a:schemeClr>
-          </a:solidFill>
-        </p:spPr>
-        <p:style>
-          <a:lnRef idx="2">
-            <a:schemeClr val="accent1">
-              <a:shade val="50000"/>
-            </a:schemeClr>
-          </a:lnRef>
-          <a:fillRef idx="1">
-            <a:schemeClr val="accent1"/>
-          </a:fillRef>
-          <a:effectRef idx="0">
-            <a:schemeClr val="accent1"/>
-          </a:effectRef>
-          <a:fontRef idx="minor">
-            <a:schemeClr val="lt1"/>
-          </a:fontRef>
-        </p:style>
-        <p:txBody>
-          <a:bodyPr rtlCol="0" anchor="ctr"/>
-          <a:lstStyle/>
-          <a:p>
-            <a:pPr algn="ctr"/>
-            <a:r>
-              <a:rPr lang="pt-BR"/>
-              <a:t>calibra_curva_s</a:t>
-            </a:r>
-            <a:endParaRPr lang="en-US"/>
-          </a:p>
-        </p:txBody>
-      </p:sp>
-      <p:sp>
-        <p:nvSpPr>
-          <p:cNvPr id="18" name="Retângulo 17"/>
-          <p:cNvSpPr/>
-          <p:nvPr/>
-        </p:nvSpPr>
-        <p:spPr>
-          <a:xfrm>
-            <a:off x="4908040" y="3804168"/>
-            <a:ext cx="2077375" cy="415764"/>
-          </a:xfrm>
-          <a:prstGeom prst="rect">
-            <a:avLst/>
-          </a:prstGeom>
-          <a:solidFill>
-            <a:schemeClr val="accent5">
-              <a:lumMod val="75000"/>
-            </a:schemeClr>
-          </a:solidFill>
-        </p:spPr>
-        <p:style>
-          <a:lnRef idx="2">
-            <a:schemeClr val="accent1">
-              <a:shade val="50000"/>
-            </a:schemeClr>
-          </a:lnRef>
-          <a:fillRef idx="1">
-            <a:schemeClr val="accent1"/>
-          </a:fillRef>
-          <a:effectRef idx="0">
-            <a:schemeClr val="accent1"/>
-          </a:effectRef>
-          <a:fontRef idx="minor">
-            <a:schemeClr val="lt1"/>
-          </a:fontRef>
-        </p:style>
-        <p:txBody>
-          <a:bodyPr rtlCol="0" anchor="ctr"/>
-          <a:lstStyle/>
-          <a:p>
-            <a:pPr algn="ctr"/>
-            <a:r>
-              <a:rPr lang="pt-BR"/>
-              <a:t>proj_adotantes</a:t>
-            </a:r>
-            <a:endParaRPr lang="en-US"/>
-          </a:p>
-        </p:txBody>
-      </p:sp>
-      <p:sp>
-        <p:nvSpPr>
-          <p:cNvPr id="19" name="Retângulo 18"/>
-          <p:cNvSpPr/>
-          <p:nvPr/>
-        </p:nvSpPr>
-        <p:spPr>
-          <a:xfrm>
-            <a:off x="4908040" y="4488406"/>
-            <a:ext cx="2077375" cy="415764"/>
-          </a:xfrm>
-          <a:prstGeom prst="rect">
-            <a:avLst/>
-          </a:prstGeom>
-          <a:solidFill>
-            <a:schemeClr val="accent5">
-              <a:lumMod val="75000"/>
-            </a:schemeClr>
-          </a:solidFill>
-        </p:spPr>
-        <p:style>
-          <a:lnRef idx="2">
-            <a:schemeClr val="accent1">
-              <a:shade val="50000"/>
-            </a:schemeClr>
-          </a:lnRef>
-          <a:fillRef idx="1">
-            <a:schemeClr val="accent1"/>
-          </a:fillRef>
-          <a:effectRef idx="0">
-            <a:schemeClr val="accent1"/>
-          </a:effectRef>
-          <a:fontRef idx="minor">
-            <a:schemeClr val="lt1"/>
-          </a:fontRef>
-        </p:style>
-        <p:txBody>
-          <a:bodyPr rtlCol="0" anchor="ctr"/>
-          <a:lstStyle/>
-          <a:p>
-            <a:pPr algn="ctr"/>
-            <a:r>
-              <a:rPr lang="pt-BR"/>
-              <a:t>proj_potencia</a:t>
-            </a:r>
-            <a:endParaRPr lang="en-US"/>
-          </a:p>
-        </p:txBody>
-      </p:sp>
-      <p:sp>
-        <p:nvSpPr>
-          <p:cNvPr id="20" name="Retângulo 19"/>
-          <p:cNvSpPr/>
-          <p:nvPr/>
-        </p:nvSpPr>
-        <p:spPr>
-          <a:xfrm>
-            <a:off x="4908039" y="5175971"/>
-            <a:ext cx="2077375" cy="415764"/>
-          </a:xfrm>
-          <a:prstGeom prst="rect">
-            <a:avLst/>
-          </a:prstGeom>
-          <a:solidFill>
-            <a:srgbClr val="953735"/>
-          </a:solidFill>
-          <a:ln>
-            <a:noFill/>
-          </a:ln>
-        </p:spPr>
-        <p:style>
-          <a:lnRef idx="2">
-            <a:schemeClr val="accent1">
-              <a:shade val="50000"/>
-            </a:schemeClr>
-          </a:lnRef>
-          <a:fillRef idx="1">
-            <a:schemeClr val="accent1"/>
-          </a:fillRef>
-          <a:effectRef idx="0">
-            <a:schemeClr val="accent1"/>
-          </a:effectRef>
-          <a:fontRef idx="minor">
-            <a:schemeClr val="lt1"/>
-          </a:fontRef>
-        </p:style>
-        <p:txBody>
-          <a:bodyPr rtlCol="0" anchor="ctr"/>
-          <a:lstStyle/>
-          <a:p>
-            <a:pPr algn="ctr"/>
-            <a:r>
-              <a:rPr lang="pt-BR"/>
-              <a:t>proj_mensal</a:t>
-            </a:r>
-            <a:endParaRPr lang="en-US"/>
-          </a:p>
-        </p:txBody>
-      </p:sp>
-      <p:sp>
-        <p:nvSpPr>
-          <p:cNvPr id="39" name="Retângulo 38"/>
-          <p:cNvSpPr/>
-          <p:nvPr/>
-        </p:nvSpPr>
-        <p:spPr>
-          <a:xfrm>
-            <a:off x="7565681" y="5175971"/>
-            <a:ext cx="2107970" cy="415764"/>
-          </a:xfrm>
-          <a:prstGeom prst="rect">
-            <a:avLst/>
-          </a:prstGeom>
-          <a:solidFill>
-            <a:srgbClr val="953735"/>
-          </a:solidFill>
-          <a:ln>
-            <a:noFill/>
-          </a:ln>
-        </p:spPr>
-        <p:style>
-          <a:lnRef idx="2">
-            <a:schemeClr val="accent1">
-              <a:shade val="50000"/>
-            </a:schemeClr>
-          </a:lnRef>
-          <a:fillRef idx="1">
-            <a:schemeClr val="accent1"/>
-          </a:fillRef>
-          <a:effectRef idx="0">
-            <a:schemeClr val="accent1"/>
-          </a:effectRef>
-          <a:fontRef idx="minor">
-            <a:schemeClr val="lt1"/>
-          </a:fontRef>
-        </p:style>
-        <p:txBody>
-          <a:bodyPr rtlCol="0" anchor="ctr"/>
-          <a:lstStyle/>
-          <a:p>
-            <a:pPr algn="ctr"/>
-            <a:r>
-              <a:rPr lang="pt-BR"/>
-              <a:t>investimentos</a:t>
-            </a:r>
-            <a:endParaRPr lang="en-US"/>
-          </a:p>
-        </p:txBody>
-      </p:sp>
-      <p:sp>
-        <p:nvSpPr>
-          <p:cNvPr id="40" name="Retângulo 39"/>
-          <p:cNvSpPr/>
-          <p:nvPr/>
-        </p:nvSpPr>
-        <p:spPr>
-          <a:xfrm>
-            <a:off x="1830679" y="5175971"/>
-            <a:ext cx="2077375" cy="415764"/>
-          </a:xfrm>
-          <a:prstGeom prst="rect">
-            <a:avLst/>
-          </a:prstGeom>
-          <a:solidFill>
-            <a:srgbClr val="953735"/>
-          </a:solidFill>
-          <a:ln>
-            <a:noFill/>
-          </a:ln>
-        </p:spPr>
-        <p:style>
-          <a:lnRef idx="2">
-            <a:schemeClr val="accent1">
-              <a:shade val="50000"/>
-            </a:schemeClr>
-          </a:lnRef>
-          <a:fillRef idx="1">
-            <a:schemeClr val="accent1"/>
-          </a:fillRef>
-          <a:effectRef idx="0">
-            <a:schemeClr val="accent1"/>
-          </a:effectRef>
-          <a:fontRef idx="minor">
-            <a:schemeClr val="lt1"/>
-          </a:fontRef>
-        </p:style>
-        <p:txBody>
-          <a:bodyPr rtlCol="0" anchor="ctr"/>
-          <a:lstStyle/>
-          <a:p>
-            <a:pPr algn="ctr"/>
-            <a:r>
-              <a:rPr lang="pt-BR" err="1"/>
-              <a:t>graficos</a:t>
-            </a:r>
-            <a:endParaRPr lang="en-US"/>
-          </a:p>
-        </p:txBody>
-      </p:sp>
-      <p:sp>
-        <p:nvSpPr>
-          <p:cNvPr id="41" name="Retângulo 40"/>
-          <p:cNvSpPr/>
-          <p:nvPr/>
-        </p:nvSpPr>
-        <p:spPr>
-          <a:xfrm>
-            <a:off x="1830679" y="4461863"/>
-            <a:ext cx="2077375" cy="415764"/>
-          </a:xfrm>
-          <a:prstGeom prst="rect">
-            <a:avLst/>
-          </a:prstGeom>
-          <a:solidFill>
-            <a:schemeClr val="accent5">
-              <a:lumMod val="75000"/>
-            </a:schemeClr>
-          </a:solidFill>
-        </p:spPr>
-        <p:style>
-          <a:lnRef idx="2">
-            <a:schemeClr val="accent1">
-              <a:shade val="50000"/>
-            </a:schemeClr>
-          </a:lnRef>
-          <a:fillRef idx="1">
-            <a:schemeClr val="accent1"/>
-          </a:fillRef>
-          <a:effectRef idx="0">
-            <a:schemeClr val="accent1"/>
-          </a:effectRef>
-          <a:fontRef idx="minor">
-            <a:schemeClr val="lt1"/>
-          </a:fontRef>
-        </p:style>
-        <p:txBody>
-          <a:bodyPr rtlCol="0" anchor="ctr"/>
-          <a:lstStyle/>
-          <a:p>
-            <a:pPr algn="ctr"/>
-            <a:r>
-              <a:rPr lang="pt-BR"/>
-              <a:t>fatores_publicacao</a:t>
-            </a:r>
-            <a:endParaRPr lang="en-US"/>
-          </a:p>
-        </p:txBody>
-      </p:sp>
-      <p:cxnSp>
-        <p:nvCxnSpPr>
-          <p:cNvPr id="43" name="Conector de seta reta 42"/>
-          <p:cNvCxnSpPr>
-            <a:cxnSpLocks/>
-            <a:stCxn id="5" idx="2"/>
-            <a:endCxn id="6" idx="0"/>
-          </p:cNvCxnSpPr>
-          <p:nvPr/>
-        </p:nvCxnSpPr>
-        <p:spPr>
-          <a:xfrm>
-            <a:off x="3725054" y="1888759"/>
-            <a:ext cx="0" cy="298344"/>
-          </a:xfrm>
-          <a:prstGeom prst="straightConnector1">
-            <a:avLst/>
-          </a:prstGeom>
-          <a:ln>
-            <a:solidFill>
-              <a:schemeClr val="bg1">
-                <a:lumMod val="50000"/>
-              </a:schemeClr>
-            </a:solidFill>
-            <a:tailEnd type="triangle"/>
-          </a:ln>
-        </p:spPr>
-        <p:style>
-          <a:lnRef idx="1">
-            <a:schemeClr val="accent1"/>
-          </a:lnRef>
-          <a:fillRef idx="0">
-            <a:schemeClr val="accent1"/>
-          </a:fillRef>
-          <a:effectRef idx="0">
-            <a:schemeClr val="accent1"/>
-          </a:effectRef>
-          <a:fontRef idx="minor">
-            <a:schemeClr val="tx1"/>
-          </a:fontRef>
-        </p:style>
-      </p:cxnSp>
-      <p:cxnSp>
-        <p:nvCxnSpPr>
-          <p:cNvPr id="49" name="Conector angulado 48"/>
-          <p:cNvCxnSpPr>
-            <a:stCxn id="6" idx="2"/>
-            <a:endCxn id="17" idx="0"/>
-          </p:cNvCxnSpPr>
-          <p:nvPr/>
-        </p:nvCxnSpPr>
-        <p:spPr>
-          <a:xfrm rot="16200000" flipH="1">
-            <a:off x="4595994" y="1731926"/>
-            <a:ext cx="479793" cy="2221673"/>
-          </a:xfrm>
-          <a:prstGeom prst="bentConnector3">
-            <a:avLst/>
-          </a:prstGeom>
-          <a:ln>
-            <a:solidFill>
-              <a:schemeClr val="bg1">
-                <a:lumMod val="50000"/>
-              </a:schemeClr>
-            </a:solidFill>
-            <a:tailEnd type="triangle"/>
-          </a:ln>
-        </p:spPr>
-        <p:style>
-          <a:lnRef idx="1">
-            <a:schemeClr val="accent1"/>
-          </a:lnRef>
-          <a:fillRef idx="0">
-            <a:schemeClr val="accent1"/>
-          </a:fillRef>
-          <a:effectRef idx="0">
-            <a:schemeClr val="accent1"/>
-          </a:effectRef>
-          <a:fontRef idx="minor">
-            <a:schemeClr val="tx1"/>
-          </a:fontRef>
-        </p:style>
-      </p:cxnSp>
-      <p:cxnSp>
-        <p:nvCxnSpPr>
-          <p:cNvPr id="51" name="Conector de seta reta 50"/>
-          <p:cNvCxnSpPr>
-            <a:stCxn id="17" idx="2"/>
-            <a:endCxn id="18" idx="0"/>
-          </p:cNvCxnSpPr>
-          <p:nvPr/>
-        </p:nvCxnSpPr>
-        <p:spPr>
-          <a:xfrm>
-            <a:off x="5946727" y="3498424"/>
-            <a:ext cx="1" cy="305744"/>
-          </a:xfrm>
-          <a:prstGeom prst="straightConnector1">
-            <a:avLst/>
-          </a:prstGeom>
-          <a:ln>
-            <a:solidFill>
-              <a:schemeClr val="bg1">
-                <a:lumMod val="50000"/>
-              </a:schemeClr>
-            </a:solidFill>
-            <a:tailEnd type="triangle"/>
-          </a:ln>
-        </p:spPr>
-        <p:style>
-          <a:lnRef idx="1">
-            <a:schemeClr val="accent1"/>
-          </a:lnRef>
-          <a:fillRef idx="0">
-            <a:schemeClr val="accent1"/>
-          </a:fillRef>
-          <a:effectRef idx="0">
-            <a:schemeClr val="accent1"/>
-          </a:effectRef>
-          <a:fontRef idx="minor">
-            <a:schemeClr val="tx1"/>
-          </a:fontRef>
-        </p:style>
-      </p:cxnSp>
-      <p:cxnSp>
-        <p:nvCxnSpPr>
-          <p:cNvPr id="53" name="Conector de seta reta 52"/>
-          <p:cNvCxnSpPr>
-            <a:stCxn id="18" idx="2"/>
-            <a:endCxn id="19" idx="0"/>
-          </p:cNvCxnSpPr>
-          <p:nvPr/>
-        </p:nvCxnSpPr>
-        <p:spPr>
-          <a:xfrm>
-            <a:off x="5946728" y="4219932"/>
-            <a:ext cx="0" cy="268474"/>
-          </a:xfrm>
-          <a:prstGeom prst="straightConnector1">
-            <a:avLst/>
-          </a:prstGeom>
-          <a:ln>
-            <a:solidFill>
-              <a:schemeClr val="bg1">
-                <a:lumMod val="50000"/>
-              </a:schemeClr>
-            </a:solidFill>
-            <a:tailEnd type="triangle"/>
-          </a:ln>
-        </p:spPr>
-        <p:style>
-          <a:lnRef idx="1">
-            <a:schemeClr val="accent1"/>
-          </a:lnRef>
-          <a:fillRef idx="0">
-            <a:schemeClr val="accent1"/>
-          </a:fillRef>
-          <a:effectRef idx="0">
-            <a:schemeClr val="accent1"/>
-          </a:effectRef>
-          <a:fontRef idx="minor">
-            <a:schemeClr val="tx1"/>
-          </a:fontRef>
-        </p:style>
-      </p:cxnSp>
-      <p:cxnSp>
-        <p:nvCxnSpPr>
-          <p:cNvPr id="55" name="Conector de seta reta 54"/>
-          <p:cNvCxnSpPr>
-            <a:stCxn id="19" idx="2"/>
-            <a:endCxn id="20" idx="0"/>
-          </p:cNvCxnSpPr>
-          <p:nvPr/>
-        </p:nvCxnSpPr>
-        <p:spPr>
-          <a:xfrm flipH="1">
-            <a:off x="5946727" y="4904170"/>
-            <a:ext cx="1" cy="271801"/>
-          </a:xfrm>
-          <a:prstGeom prst="straightConnector1">
-            <a:avLst/>
-          </a:prstGeom>
-          <a:ln>
-            <a:solidFill>
-              <a:schemeClr val="bg1">
-                <a:lumMod val="50000"/>
-              </a:schemeClr>
-            </a:solidFill>
-            <a:tailEnd type="triangle"/>
-          </a:ln>
-        </p:spPr>
-        <p:style>
-          <a:lnRef idx="1">
-            <a:schemeClr val="accent1"/>
-          </a:lnRef>
-          <a:fillRef idx="0">
-            <a:schemeClr val="accent1"/>
-          </a:fillRef>
-          <a:effectRef idx="0">
-            <a:schemeClr val="accent1"/>
-          </a:effectRef>
-          <a:fontRef idx="minor">
-            <a:schemeClr val="tx1"/>
-          </a:fontRef>
-        </p:style>
-      </p:cxnSp>
-      <p:cxnSp>
-        <p:nvCxnSpPr>
-          <p:cNvPr id="57" name="Conector de seta reta 56"/>
-          <p:cNvCxnSpPr>
-            <a:stCxn id="41" idx="2"/>
-            <a:endCxn id="40" idx="0"/>
-          </p:cNvCxnSpPr>
-          <p:nvPr/>
-        </p:nvCxnSpPr>
-        <p:spPr>
-          <a:xfrm>
-            <a:off x="2869367" y="4877627"/>
-            <a:ext cx="0" cy="298344"/>
-          </a:xfrm>
-          <a:prstGeom prst="straightConnector1">
-            <a:avLst/>
-          </a:prstGeom>
-          <a:ln>
-            <a:solidFill>
-              <a:schemeClr val="bg1">
-                <a:lumMod val="50000"/>
-              </a:schemeClr>
-            </a:solidFill>
-            <a:tailEnd type="triangle"/>
-          </a:ln>
-        </p:spPr>
-        <p:style>
-          <a:lnRef idx="1">
-            <a:schemeClr val="accent1"/>
-          </a:lnRef>
-          <a:fillRef idx="0">
-            <a:schemeClr val="accent1"/>
-          </a:fillRef>
-          <a:effectRef idx="0">
-            <a:schemeClr val="accent1"/>
-          </a:effectRef>
-          <a:fontRef idx="minor">
-            <a:schemeClr val="tx1"/>
-          </a:fontRef>
-        </p:style>
-      </p:cxnSp>
-      <p:cxnSp>
-        <p:nvCxnSpPr>
-          <p:cNvPr id="60" name="Conector de seta reta 59"/>
-          <p:cNvCxnSpPr>
-            <a:stCxn id="20" idx="1"/>
-            <a:endCxn id="40" idx="3"/>
-          </p:cNvCxnSpPr>
-          <p:nvPr/>
-        </p:nvCxnSpPr>
-        <p:spPr>
-          <a:xfrm flipH="1">
-            <a:off x="3908054" y="5383853"/>
-            <a:ext cx="999985" cy="0"/>
-          </a:xfrm>
-          <a:prstGeom prst="straightConnector1">
-            <a:avLst/>
-          </a:prstGeom>
-          <a:ln>
-            <a:solidFill>
-              <a:schemeClr val="bg1">
-                <a:lumMod val="50000"/>
-              </a:schemeClr>
-            </a:solidFill>
-            <a:tailEnd type="triangle"/>
-          </a:ln>
-        </p:spPr>
-        <p:style>
-          <a:lnRef idx="1">
-            <a:schemeClr val="accent1"/>
-          </a:lnRef>
-          <a:fillRef idx="0">
-            <a:schemeClr val="accent1"/>
-          </a:fillRef>
-          <a:effectRef idx="0">
-            <a:schemeClr val="accent1"/>
-          </a:effectRef>
-          <a:fontRef idx="minor">
-            <a:schemeClr val="tx1"/>
-          </a:fontRef>
-        </p:style>
-      </p:cxnSp>
-      <p:cxnSp>
-        <p:nvCxnSpPr>
-          <p:cNvPr id="10" name="Conector de seta reta 9"/>
-          <p:cNvCxnSpPr>
-            <a:stCxn id="16" idx="2"/>
-            <a:endCxn id="17" idx="0"/>
-          </p:cNvCxnSpPr>
-          <p:nvPr/>
-        </p:nvCxnSpPr>
-        <p:spPr>
-          <a:xfrm>
-            <a:off x="5946727" y="1888760"/>
-            <a:ext cx="0" cy="1193900"/>
-          </a:xfrm>
-          <a:prstGeom prst="straightConnector1">
-            <a:avLst/>
-          </a:prstGeom>
-          <a:ln>
-            <a:solidFill>
-              <a:schemeClr val="bg1">
-                <a:lumMod val="50000"/>
-              </a:schemeClr>
-            </a:solidFill>
-            <a:tailEnd type="triangle"/>
-          </a:ln>
-        </p:spPr>
-        <p:style>
-          <a:lnRef idx="1">
-            <a:schemeClr val="accent1"/>
-          </a:lnRef>
-          <a:fillRef idx="0">
-            <a:schemeClr val="accent1"/>
-          </a:fillRef>
-          <a:effectRef idx="0">
-            <a:schemeClr val="accent1"/>
-          </a:effectRef>
-          <a:fontRef idx="minor">
-            <a:schemeClr val="tx1"/>
-          </a:fontRef>
-        </p:style>
-      </p:cxnSp>
-      <p:cxnSp>
-        <p:nvCxnSpPr>
-          <p:cNvPr id="13" name="Conector reto 12"/>
-          <p:cNvCxnSpPr/>
-          <p:nvPr/>
-        </p:nvCxnSpPr>
-        <p:spPr>
-          <a:xfrm>
-            <a:off x="2518346" y="1274162"/>
-            <a:ext cx="29981" cy="2224262"/>
-          </a:xfrm>
-          <a:prstGeom prst="line">
-            <a:avLst/>
-          </a:prstGeom>
-          <a:ln w="12700">
-            <a:solidFill>
-              <a:srgbClr val="C00000"/>
-            </a:solidFill>
-            <a:prstDash val="dash"/>
-          </a:ln>
-        </p:spPr>
-        <p:style>
-          <a:lnRef idx="1">
-            <a:schemeClr val="accent1"/>
-          </a:lnRef>
-          <a:fillRef idx="0">
-            <a:schemeClr val="accent1"/>
-          </a:fillRef>
-          <a:effectRef idx="0">
-            <a:schemeClr val="accent1"/>
-          </a:effectRef>
-          <a:fontRef idx="minor">
-            <a:schemeClr val="tx1"/>
-          </a:fontRef>
-        </p:style>
-      </p:cxnSp>
-      <p:cxnSp>
-        <p:nvCxnSpPr>
-          <p:cNvPr id="15" name="Conector reto 14"/>
-          <p:cNvCxnSpPr/>
-          <p:nvPr/>
-        </p:nvCxnSpPr>
-        <p:spPr>
-          <a:xfrm>
-            <a:off x="2548327" y="3498424"/>
-            <a:ext cx="1978701" cy="0"/>
-          </a:xfrm>
-          <a:prstGeom prst="line">
-            <a:avLst/>
-          </a:prstGeom>
-          <a:ln w="12700">
-            <a:solidFill>
-              <a:srgbClr val="C00000"/>
-            </a:solidFill>
-            <a:prstDash val="dash"/>
-          </a:ln>
-        </p:spPr>
-        <p:style>
-          <a:lnRef idx="1">
-            <a:schemeClr val="accent1"/>
-          </a:lnRef>
-          <a:fillRef idx="0">
-            <a:schemeClr val="accent1"/>
-          </a:fillRef>
-          <a:effectRef idx="0">
-            <a:schemeClr val="accent1"/>
-          </a:effectRef>
-          <a:fontRef idx="minor">
-            <a:schemeClr val="tx1"/>
-          </a:fontRef>
-        </p:style>
-      </p:cxnSp>
-      <p:cxnSp>
-        <p:nvCxnSpPr>
-          <p:cNvPr id="24" name="Conector reto 23"/>
-          <p:cNvCxnSpPr/>
-          <p:nvPr/>
-        </p:nvCxnSpPr>
-        <p:spPr>
-          <a:xfrm>
-            <a:off x="4542018" y="5756221"/>
-            <a:ext cx="2818151" cy="0"/>
-          </a:xfrm>
-          <a:prstGeom prst="line">
-            <a:avLst/>
-          </a:prstGeom>
-          <a:ln w="12700">
-            <a:solidFill>
-              <a:srgbClr val="C00000"/>
-            </a:solidFill>
-            <a:prstDash val="dash"/>
-          </a:ln>
-        </p:spPr>
-        <p:style>
-          <a:lnRef idx="1">
-            <a:schemeClr val="accent1"/>
-          </a:lnRef>
-          <a:fillRef idx="0">
-            <a:schemeClr val="accent1"/>
-          </a:fillRef>
-          <a:effectRef idx="0">
-            <a:schemeClr val="accent1"/>
-          </a:effectRef>
-          <a:fontRef idx="minor">
-            <a:schemeClr val="tx1"/>
-          </a:fontRef>
-        </p:style>
-      </p:cxnSp>
-      <p:cxnSp>
-        <p:nvCxnSpPr>
-          <p:cNvPr id="26" name="Conector reto 25"/>
-          <p:cNvCxnSpPr/>
-          <p:nvPr/>
-        </p:nvCxnSpPr>
-        <p:spPr>
-          <a:xfrm flipV="1">
-            <a:off x="7360169" y="1274163"/>
-            <a:ext cx="0" cy="4482058"/>
-          </a:xfrm>
-          <a:prstGeom prst="line">
-            <a:avLst/>
-          </a:prstGeom>
-          <a:ln w="12700">
-            <a:solidFill>
-              <a:srgbClr val="C00000"/>
-            </a:solidFill>
-            <a:prstDash val="dash"/>
-          </a:ln>
-        </p:spPr>
-        <p:style>
-          <a:lnRef idx="1">
-            <a:schemeClr val="accent1"/>
-          </a:lnRef>
-          <a:fillRef idx="0">
-            <a:schemeClr val="accent1"/>
-          </a:fillRef>
-          <a:effectRef idx="0">
-            <a:schemeClr val="accent1"/>
-          </a:effectRef>
-          <a:fontRef idx="minor">
-            <a:schemeClr val="tx1"/>
-          </a:fontRef>
-        </p:style>
-      </p:cxnSp>
-      <p:cxnSp>
-        <p:nvCxnSpPr>
-          <p:cNvPr id="30" name="Conector reto 29"/>
-          <p:cNvCxnSpPr/>
-          <p:nvPr/>
-        </p:nvCxnSpPr>
-        <p:spPr>
-          <a:xfrm>
-            <a:off x="2518346" y="1274162"/>
-            <a:ext cx="4841823" cy="0"/>
-          </a:xfrm>
-          <a:prstGeom prst="line">
-            <a:avLst/>
-          </a:prstGeom>
-          <a:ln w="12700">
-            <a:solidFill>
-              <a:srgbClr val="C00000"/>
-            </a:solidFill>
-            <a:prstDash val="dash"/>
-          </a:ln>
-        </p:spPr>
-        <p:style>
-          <a:lnRef idx="1">
-            <a:schemeClr val="accent1"/>
-          </a:lnRef>
-          <a:fillRef idx="0">
-            <a:schemeClr val="accent1"/>
-          </a:fillRef>
-          <a:effectRef idx="0">
-            <a:schemeClr val="accent1"/>
-          </a:effectRef>
-          <a:fontRef idx="minor">
-            <a:schemeClr val="tx1"/>
-          </a:fontRef>
-        </p:style>
-      </p:cxnSp>
-      <p:cxnSp>
-        <p:nvCxnSpPr>
-          <p:cNvPr id="33" name="Conector reto 32"/>
-          <p:cNvCxnSpPr/>
-          <p:nvPr/>
-        </p:nvCxnSpPr>
-        <p:spPr>
-          <a:xfrm>
-            <a:off x="4527027" y="3498424"/>
-            <a:ext cx="0" cy="2257797"/>
-          </a:xfrm>
-          <a:prstGeom prst="line">
-            <a:avLst/>
-          </a:prstGeom>
-          <a:ln w="12700">
-            <a:solidFill>
-              <a:srgbClr val="C00000"/>
-            </a:solidFill>
-            <a:prstDash val="dash"/>
-          </a:ln>
-        </p:spPr>
-        <p:style>
-          <a:lnRef idx="1">
-            <a:schemeClr val="accent1"/>
-          </a:lnRef>
-          <a:fillRef idx="0">
-            <a:schemeClr val="accent1"/>
-          </a:fillRef>
-          <a:effectRef idx="0">
-            <a:schemeClr val="accent1"/>
-          </a:effectRef>
-          <a:fontRef idx="minor">
-            <a:schemeClr val="tx1"/>
-          </a:fontRef>
-        </p:style>
-      </p:cxnSp>
-      <p:sp>
-        <p:nvSpPr>
-          <p:cNvPr id="48" name="Retângulo 47"/>
-          <p:cNvSpPr/>
-          <p:nvPr/>
-        </p:nvSpPr>
-        <p:spPr>
-          <a:xfrm>
-            <a:off x="7375161" y="2138172"/>
-            <a:ext cx="2298492" cy="464694"/>
-          </a:xfrm>
-          <a:prstGeom prst="rect">
-            <a:avLst/>
-          </a:prstGeom>
-          <a:solidFill>
-            <a:srgbClr val="953735"/>
-          </a:solidFill>
-          <a:ln>
-            <a:noFill/>
-          </a:ln>
-        </p:spPr>
-        <p:style>
-          <a:lnRef idx="2">
-            <a:schemeClr val="accent1">
-              <a:shade val="50000"/>
-            </a:schemeClr>
-          </a:lnRef>
-          <a:fillRef idx="1">
-            <a:schemeClr val="accent1"/>
-          </a:fillRef>
-          <a:effectRef idx="0">
-            <a:schemeClr val="accent1"/>
-          </a:effectRef>
-          <a:fontRef idx="minor">
-            <a:schemeClr val="lt1"/>
-          </a:fontRef>
-        </p:style>
-        <p:txBody>
-          <a:bodyPr rtlCol="0" anchor="ctr"/>
-          <a:lstStyle/>
-          <a:p>
-            <a:pPr algn="ctr"/>
-            <a:r>
-              <a:rPr lang="pt-BR"/>
-              <a:t>calcula</a:t>
-            </a:r>
-            <a:endParaRPr lang="en-US"/>
-          </a:p>
-        </p:txBody>
-      </p:sp>
-      <p:sp>
-        <p:nvSpPr>
-          <p:cNvPr id="52" name="Retângulo 51"/>
-          <p:cNvSpPr/>
-          <p:nvPr/>
-        </p:nvSpPr>
-        <p:spPr>
-          <a:xfrm>
-            <a:off x="7565681" y="3099428"/>
-            <a:ext cx="2107972" cy="415764"/>
-          </a:xfrm>
-          <a:prstGeom prst="rect">
-            <a:avLst/>
-          </a:prstGeom>
-          <a:solidFill>
-            <a:srgbClr val="953735"/>
-          </a:solidFill>
-          <a:ln>
-            <a:noFill/>
-          </a:ln>
-        </p:spPr>
-        <p:style>
-          <a:lnRef idx="2">
-            <a:schemeClr val="accent1">
-              <a:shade val="50000"/>
-            </a:schemeClr>
-          </a:lnRef>
-          <a:fillRef idx="1">
-            <a:schemeClr val="accent1"/>
-          </a:fillRef>
-          <a:effectRef idx="0">
-            <a:schemeClr val="accent1"/>
-          </a:effectRef>
-          <a:fontRef idx="minor">
-            <a:schemeClr val="lt1"/>
-          </a:fontRef>
-        </p:style>
-        <p:txBody>
-          <a:bodyPr rtlCol="0" anchor="ctr"/>
-          <a:lstStyle/>
-          <a:p>
-            <a:pPr algn="ctr"/>
-            <a:r>
-              <a:rPr lang="pt-BR"/>
-              <a:t>sumariza_resultados</a:t>
-            </a:r>
-            <a:endParaRPr lang="en-US"/>
-          </a:p>
-        </p:txBody>
-      </p:sp>
-      <p:cxnSp>
-        <p:nvCxnSpPr>
-          <p:cNvPr id="37" name="Conector de seta reta 36"/>
-          <p:cNvCxnSpPr>
-            <a:cxnSpLocks/>
-            <a:stCxn id="20" idx="3"/>
-            <a:endCxn id="39" idx="1"/>
-          </p:cNvCxnSpPr>
-          <p:nvPr/>
-        </p:nvCxnSpPr>
-        <p:spPr>
-          <a:xfrm>
-            <a:off x="6985414" y="5383853"/>
-            <a:ext cx="580267" cy="0"/>
-          </a:xfrm>
-          <a:prstGeom prst="straightConnector1">
-            <a:avLst/>
-          </a:prstGeom>
-          <a:ln>
-            <a:solidFill>
-              <a:schemeClr val="bg1">
-                <a:lumMod val="50000"/>
-              </a:schemeClr>
-            </a:solidFill>
-            <a:tailEnd type="triangle"/>
-          </a:ln>
-        </p:spPr>
-        <p:style>
-          <a:lnRef idx="1">
-            <a:schemeClr val="accent1"/>
-          </a:lnRef>
-          <a:fillRef idx="0">
-            <a:schemeClr val="accent1"/>
-          </a:fillRef>
-          <a:effectRef idx="0">
-            <a:schemeClr val="accent1"/>
-          </a:effectRef>
-          <a:fontRef idx="minor">
-            <a:schemeClr val="tx1"/>
-          </a:fontRef>
-        </p:style>
-      </p:cxnSp>
-      <p:cxnSp>
-        <p:nvCxnSpPr>
-          <p:cNvPr id="21" name="Conector de seta reta 20"/>
-          <p:cNvCxnSpPr>
-            <a:cxnSpLocks/>
-            <a:stCxn id="48" idx="2"/>
-          </p:cNvCxnSpPr>
-          <p:nvPr/>
-        </p:nvCxnSpPr>
-        <p:spPr>
-          <a:xfrm>
-            <a:off x="8524407" y="2602866"/>
-            <a:ext cx="0" cy="479794"/>
-          </a:xfrm>
-          <a:prstGeom prst="straightConnector1">
-            <a:avLst/>
-          </a:prstGeom>
-          <a:ln>
-            <a:solidFill>
-              <a:schemeClr val="bg1">
-                <a:lumMod val="50000"/>
-              </a:schemeClr>
-            </a:solidFill>
-            <a:tailEnd type="triangle"/>
-          </a:ln>
-        </p:spPr>
-        <p:style>
-          <a:lnRef idx="1">
-            <a:schemeClr val="accent1"/>
-          </a:lnRef>
-          <a:fillRef idx="0">
-            <a:schemeClr val="accent1"/>
-          </a:fillRef>
-          <a:effectRef idx="0">
-            <a:schemeClr val="accent1"/>
-          </a:effectRef>
-          <a:fontRef idx="minor">
-            <a:schemeClr val="tx1"/>
-          </a:fontRef>
-        </p:style>
-      </p:cxnSp>
-      <p:sp>
-        <p:nvSpPr>
-          <p:cNvPr id="44" name="Retângulo 43"/>
-          <p:cNvSpPr/>
-          <p:nvPr/>
-        </p:nvSpPr>
-        <p:spPr>
-          <a:xfrm>
-            <a:off x="1830677" y="3774188"/>
-            <a:ext cx="2077375" cy="415764"/>
-          </a:xfrm>
-          <a:prstGeom prst="rect">
-            <a:avLst/>
-          </a:prstGeom>
-          <a:solidFill>
-            <a:schemeClr val="tx1">
-              <a:lumMod val="65000"/>
-              <a:lumOff val="35000"/>
-            </a:schemeClr>
-          </a:solidFill>
-          <a:ln>
-            <a:noFill/>
-          </a:ln>
-        </p:spPr>
-        <p:style>
-          <a:lnRef idx="2">
-            <a:schemeClr val="accent1">
-              <a:shade val="50000"/>
-            </a:schemeClr>
-          </a:lnRef>
-          <a:fillRef idx="1">
-            <a:schemeClr val="accent1"/>
-          </a:fillRef>
-          <a:effectRef idx="0">
-            <a:schemeClr val="accent1"/>
-          </a:effectRef>
-          <a:fontRef idx="minor">
-            <a:schemeClr val="lt1"/>
-          </a:fontRef>
-        </p:style>
-        <p:txBody>
-          <a:bodyPr rtlCol="0" anchor="ctr"/>
-          <a:lstStyle/>
-          <a:p>
-            <a:pPr algn="ctr"/>
-            <a:r>
-              <a:rPr lang="pt-BR"/>
-              <a:t>prepara_base</a:t>
-            </a:r>
-            <a:endParaRPr lang="en-US"/>
-          </a:p>
-        </p:txBody>
-      </p:sp>
-      <p:sp>
-        <p:nvSpPr>
-          <p:cNvPr id="14" name="CaixaDeTexto 13">
-            <a:extLst>
-              <a:ext uri="{FF2B5EF4-FFF2-40B4-BE49-F238E27FC236}">
-                <a16:creationId xmlns:a16="http://schemas.microsoft.com/office/drawing/2014/main" id="{B22E57C3-6F48-C6A1-AB82-D18B0E54048F}"/>
-              </a:ext>
-            </a:extLst>
-          </p:cNvPr>
-          <p:cNvSpPr txBox="1"/>
-          <p:nvPr/>
-        </p:nvSpPr>
-        <p:spPr>
-          <a:xfrm>
-            <a:off x="7303864" y="1888759"/>
-            <a:ext cx="2575421" cy="276999"/>
-          </a:xfrm>
-          <a:prstGeom prst="rect">
-            <a:avLst/>
-          </a:prstGeom>
-          <a:noFill/>
-        </p:spPr>
-        <p:txBody>
-          <a:bodyPr wrap="square" rtlCol="0">
-            <a:spAutoFit/>
-          </a:bodyPr>
-          <a:lstStyle/>
-          <a:p>
-            <a:r>
-              <a:rPr lang="pt-BR" sz="1200">
-                <a:solidFill>
-                  <a:srgbClr val="953735"/>
-                </a:solidFill>
-              </a:rPr>
-              <a:t>“calcula” engloba funções circundadas</a:t>
-            </a:r>
-          </a:p>
-        </p:txBody>
-      </p:sp>
-      <p:sp>
-        <p:nvSpPr>
-          <p:cNvPr id="22" name="Retângulo 21">
-            <a:extLst>
-              <a:ext uri="{FF2B5EF4-FFF2-40B4-BE49-F238E27FC236}">
-                <a16:creationId xmlns:a16="http://schemas.microsoft.com/office/drawing/2014/main" id="{0492B165-44B1-6F39-9B8C-03432B4559BE}"/>
-              </a:ext>
-            </a:extLst>
-          </p:cNvPr>
-          <p:cNvSpPr/>
-          <p:nvPr/>
-        </p:nvSpPr>
-        <p:spPr>
-          <a:xfrm>
-            <a:off x="1830677" y="6052008"/>
-            <a:ext cx="177232" cy="177232"/>
-          </a:xfrm>
-          <a:prstGeom prst="rect">
-            <a:avLst/>
-          </a:prstGeom>
-          <a:solidFill>
-            <a:srgbClr val="2F5597"/>
-          </a:solidFill>
-          <a:ln>
-            <a:noFill/>
-          </a:ln>
-        </p:spPr>
-        <p:style>
-          <a:lnRef idx="2">
-            <a:schemeClr val="accent1">
-              <a:shade val="50000"/>
-            </a:schemeClr>
-          </a:lnRef>
-          <a:fillRef idx="1">
-            <a:schemeClr val="accent1"/>
-          </a:fillRef>
-          <a:effectRef idx="0">
-            <a:schemeClr val="accent1"/>
-          </a:effectRef>
-          <a:fontRef idx="minor">
-            <a:schemeClr val="lt1"/>
-          </a:fontRef>
-        </p:style>
-        <p:txBody>
-          <a:bodyPr rtlCol="0" anchor="ctr"/>
-          <a:lstStyle/>
-          <a:p>
-            <a:pPr algn="ctr"/>
-            <a:endParaRPr lang="pt-BR"/>
-          </a:p>
-        </p:txBody>
-      </p:sp>
-      <p:sp>
-        <p:nvSpPr>
-          <p:cNvPr id="23" name="CaixaDeTexto 22">
-            <a:extLst>
-              <a:ext uri="{FF2B5EF4-FFF2-40B4-BE49-F238E27FC236}">
-                <a16:creationId xmlns:a16="http://schemas.microsoft.com/office/drawing/2014/main" id="{7FF4CF04-1C82-D951-0591-1FCF1EF9254C}"/>
-              </a:ext>
-            </a:extLst>
-          </p:cNvPr>
-          <p:cNvSpPr txBox="1"/>
-          <p:nvPr/>
-        </p:nvSpPr>
-        <p:spPr>
-          <a:xfrm>
-            <a:off x="2007909" y="5978530"/>
-            <a:ext cx="2168165" cy="338554"/>
-          </a:xfrm>
-          <a:prstGeom prst="rect">
-            <a:avLst/>
-          </a:prstGeom>
-          <a:noFill/>
-        </p:spPr>
-        <p:txBody>
-          <a:bodyPr wrap="square" rtlCol="0">
-            <a:spAutoFit/>
-          </a:bodyPr>
-          <a:lstStyle/>
-          <a:p>
-            <a:r>
-              <a:rPr lang="pt-BR" sz="1600"/>
-              <a:t>Funções intermediárias</a:t>
-            </a:r>
-          </a:p>
-        </p:txBody>
-      </p:sp>
-      <p:sp>
-        <p:nvSpPr>
-          <p:cNvPr id="25" name="Retângulo 24">
-            <a:extLst>
-              <a:ext uri="{FF2B5EF4-FFF2-40B4-BE49-F238E27FC236}">
-                <a16:creationId xmlns:a16="http://schemas.microsoft.com/office/drawing/2014/main" id="{AE8E8693-9AF7-F712-6C76-61B04763A0DE}"/>
-              </a:ext>
-            </a:extLst>
-          </p:cNvPr>
-          <p:cNvSpPr/>
-          <p:nvPr/>
-        </p:nvSpPr>
-        <p:spPr>
-          <a:xfrm>
-            <a:off x="4364786" y="6052008"/>
-            <a:ext cx="177232" cy="177232"/>
-          </a:xfrm>
-          <a:prstGeom prst="rect">
-            <a:avLst/>
-          </a:prstGeom>
-          <a:solidFill>
-            <a:srgbClr val="953735"/>
-          </a:solidFill>
-          <a:ln>
-            <a:noFill/>
-          </a:ln>
-        </p:spPr>
-        <p:style>
-          <a:lnRef idx="2">
-            <a:schemeClr val="accent1">
-              <a:shade val="50000"/>
-            </a:schemeClr>
-          </a:lnRef>
-          <a:fillRef idx="1">
-            <a:schemeClr val="accent1"/>
-          </a:fillRef>
-          <a:effectRef idx="0">
-            <a:schemeClr val="accent1"/>
-          </a:effectRef>
-          <a:fontRef idx="minor">
-            <a:schemeClr val="lt1"/>
-          </a:fontRef>
-        </p:style>
-        <p:txBody>
-          <a:bodyPr rtlCol="0" anchor="ctr"/>
-          <a:lstStyle/>
-          <a:p>
-            <a:pPr algn="ctr"/>
-            <a:endParaRPr lang="pt-BR"/>
-          </a:p>
-        </p:txBody>
-      </p:sp>
-      <p:sp>
-        <p:nvSpPr>
-          <p:cNvPr id="27" name="CaixaDeTexto 26">
-            <a:extLst>
-              <a:ext uri="{FF2B5EF4-FFF2-40B4-BE49-F238E27FC236}">
-                <a16:creationId xmlns:a16="http://schemas.microsoft.com/office/drawing/2014/main" id="{50D3FCB4-6A31-52D9-95ED-C5063F807782}"/>
-              </a:ext>
-            </a:extLst>
-          </p:cNvPr>
-          <p:cNvSpPr txBox="1"/>
-          <p:nvPr/>
-        </p:nvSpPr>
-        <p:spPr>
-          <a:xfrm>
-            <a:off x="4542018" y="5978530"/>
-            <a:ext cx="2168165" cy="338554"/>
-          </a:xfrm>
-          <a:prstGeom prst="rect">
-            <a:avLst/>
-          </a:prstGeom>
-          <a:noFill/>
-        </p:spPr>
-        <p:txBody>
-          <a:bodyPr wrap="square" rtlCol="0">
-            <a:spAutoFit/>
-          </a:bodyPr>
-          <a:lstStyle/>
-          <a:p>
-            <a:r>
-              <a:rPr lang="pt-BR" sz="1600"/>
-              <a:t>Funções de resultados</a:t>
-            </a:r>
-          </a:p>
-        </p:txBody>
-      </p:sp>
-      <p:sp>
-        <p:nvSpPr>
-          <p:cNvPr id="28" name="Retângulo 27">
-            <a:extLst>
-              <a:ext uri="{FF2B5EF4-FFF2-40B4-BE49-F238E27FC236}">
-                <a16:creationId xmlns:a16="http://schemas.microsoft.com/office/drawing/2014/main" id="{A8900718-70DC-F9DE-14B6-54FA098A8F2E}"/>
-              </a:ext>
-            </a:extLst>
-          </p:cNvPr>
-          <p:cNvSpPr/>
-          <p:nvPr/>
-        </p:nvSpPr>
-        <p:spPr>
-          <a:xfrm>
-            <a:off x="6754613" y="6052008"/>
-            <a:ext cx="177232" cy="177232"/>
-          </a:xfrm>
-          <a:prstGeom prst="rect">
-            <a:avLst/>
-          </a:prstGeom>
-          <a:solidFill>
-            <a:srgbClr val="595959"/>
-          </a:solidFill>
-          <a:ln>
-            <a:noFill/>
-          </a:ln>
-        </p:spPr>
-        <p:style>
-          <a:lnRef idx="2">
-            <a:schemeClr val="accent1">
-              <a:shade val="50000"/>
-            </a:schemeClr>
-          </a:lnRef>
-          <a:fillRef idx="1">
-            <a:schemeClr val="accent1"/>
-          </a:fillRef>
-          <a:effectRef idx="0">
-            <a:schemeClr val="accent1"/>
-          </a:effectRef>
-          <a:fontRef idx="minor">
-            <a:schemeClr val="lt1"/>
-          </a:fontRef>
-        </p:style>
-        <p:txBody>
-          <a:bodyPr rtlCol="0" anchor="ctr"/>
-          <a:lstStyle/>
-          <a:p>
-            <a:pPr algn="ctr"/>
-            <a:endParaRPr lang="pt-BR"/>
-          </a:p>
-        </p:txBody>
-      </p:sp>
-      <p:sp>
-        <p:nvSpPr>
-          <p:cNvPr id="29" name="CaixaDeTexto 28">
-            <a:extLst>
-              <a:ext uri="{FF2B5EF4-FFF2-40B4-BE49-F238E27FC236}">
-                <a16:creationId xmlns:a16="http://schemas.microsoft.com/office/drawing/2014/main" id="{920A1ACD-FCC4-C9D0-8E16-7D1B44877499}"/>
-              </a:ext>
-            </a:extLst>
-          </p:cNvPr>
-          <p:cNvSpPr txBox="1"/>
-          <p:nvPr/>
-        </p:nvSpPr>
-        <p:spPr>
-          <a:xfrm>
-            <a:off x="6931845" y="5978530"/>
-            <a:ext cx="2168165" cy="338554"/>
-          </a:xfrm>
-          <a:prstGeom prst="rect">
-            <a:avLst/>
-          </a:prstGeom>
-          <a:noFill/>
-        </p:spPr>
-        <p:txBody>
-          <a:bodyPr wrap="square" rtlCol="0">
-            <a:spAutoFit/>
-          </a:bodyPr>
-          <a:lstStyle/>
-          <a:p>
-            <a:r>
-              <a:rPr lang="pt-BR" sz="1600"/>
-              <a:t>Funções auxiliares</a:t>
-            </a:r>
-          </a:p>
-        </p:txBody>
-      </p:sp>
-    </p:spTree>
-    <p:extLst>
-      <p:ext uri="{BB962C8B-B14F-4D97-AF65-F5344CB8AC3E}">
-        <p14:creationId xmlns:p14="http://schemas.microsoft.com/office/powerpoint/2010/main" val="3325399684"/>
-      </p:ext>
-    </p:extLst>
-  </p:cSld>
-  <p:clrMapOvr>
-    <a:masterClrMapping/>
-  </p:clrMapOvr>
-</p:sld>
-</file>
-
-<file path=ppt/slides/slide4.xml><?xml version="1.0" encoding="utf-8"?>
-<p:sld xmlns:a="http://schemas.openxmlformats.org/drawingml/2006/main" xmlns:r="http://schemas.openxmlformats.org/officeDocument/2006/relationships" xmlns:p="http://schemas.openxmlformats.org/presentationml/2006/main">
-  <p:cSld>
-    <p:spTree>
-      <p:nvGrpSpPr>
-        <p:cNvPr id="1" name=""/>
-        <p:cNvGrpSpPr/>
-        <p:nvPr/>
-      </p:nvGrpSpPr>
-      <p:grpSpPr>
-        <a:xfrm>
-          <a:off x="0" y="0"/>
-          <a:ext cx="0" cy="0"/>
-          <a:chOff x="0" y="0"/>
-          <a:chExt cx="0" cy="0"/>
-        </a:xfrm>
-      </p:grpSpPr>
-      <p:sp>
-        <p:nvSpPr>
-          <p:cNvPr id="4" name="CaixaDeTexto 3"/>
-          <p:cNvSpPr txBox="1"/>
-          <p:nvPr/>
-        </p:nvSpPr>
-        <p:spPr>
-          <a:xfrm>
             <a:off x="464695" y="218359"/>
             <a:ext cx="6115987" cy="400110"/>
           </a:xfrm>

--- a/metodologia/fluxo_funcoes.pptx
+++ b/metodologia/fluxo_funcoes.pptx
@@ -243,7 +243,7 @@
           <a:p>
             <a:fld id="{6E837E62-3F50-4DC5-847B-FFE30D7C161D}" type="datetimeFigureOut">
               <a:rPr lang="en-US" smtClean="0"/>
-              <a:t>1/10/2023</a:t>
+              <a:t>1/24/2023</a:t>
             </a:fld>
             <a:endParaRPr lang="en-US"/>
           </a:p>
@@ -413,7 +413,7 @@
           <a:p>
             <a:fld id="{6E837E62-3F50-4DC5-847B-FFE30D7C161D}" type="datetimeFigureOut">
               <a:rPr lang="en-US" smtClean="0"/>
-              <a:t>1/10/2023</a:t>
+              <a:t>1/24/2023</a:t>
             </a:fld>
             <a:endParaRPr lang="en-US"/>
           </a:p>
@@ -593,7 +593,7 @@
           <a:p>
             <a:fld id="{6E837E62-3F50-4DC5-847B-FFE30D7C161D}" type="datetimeFigureOut">
               <a:rPr lang="en-US" smtClean="0"/>
-              <a:t>1/10/2023</a:t>
+              <a:t>1/24/2023</a:t>
             </a:fld>
             <a:endParaRPr lang="en-US"/>
           </a:p>
@@ -763,7 +763,7 @@
           <a:p>
             <a:fld id="{6E837E62-3F50-4DC5-847B-FFE30D7C161D}" type="datetimeFigureOut">
               <a:rPr lang="en-US" smtClean="0"/>
-              <a:t>1/10/2023</a:t>
+              <a:t>1/24/2023</a:t>
             </a:fld>
             <a:endParaRPr lang="en-US"/>
           </a:p>
@@ -1009,7 +1009,7 @@
           <a:p>
             <a:fld id="{6E837E62-3F50-4DC5-847B-FFE30D7C161D}" type="datetimeFigureOut">
               <a:rPr lang="en-US" smtClean="0"/>
-              <a:t>1/10/2023</a:t>
+              <a:t>1/24/2023</a:t>
             </a:fld>
             <a:endParaRPr lang="en-US"/>
           </a:p>
@@ -1241,7 +1241,7 @@
           <a:p>
             <a:fld id="{6E837E62-3F50-4DC5-847B-FFE30D7C161D}" type="datetimeFigureOut">
               <a:rPr lang="en-US" smtClean="0"/>
-              <a:t>1/10/2023</a:t>
+              <a:t>1/24/2023</a:t>
             </a:fld>
             <a:endParaRPr lang="en-US"/>
           </a:p>
@@ -1608,7 +1608,7 @@
           <a:p>
             <a:fld id="{6E837E62-3F50-4DC5-847B-FFE30D7C161D}" type="datetimeFigureOut">
               <a:rPr lang="en-US" smtClean="0"/>
-              <a:t>1/10/2023</a:t>
+              <a:t>1/24/2023</a:t>
             </a:fld>
             <a:endParaRPr lang="en-US"/>
           </a:p>
@@ -1726,7 +1726,7 @@
           <a:p>
             <a:fld id="{6E837E62-3F50-4DC5-847B-FFE30D7C161D}" type="datetimeFigureOut">
               <a:rPr lang="en-US" smtClean="0"/>
-              <a:t>1/10/2023</a:t>
+              <a:t>1/24/2023</a:t>
             </a:fld>
             <a:endParaRPr lang="en-US"/>
           </a:p>
@@ -1821,7 +1821,7 @@
           <a:p>
             <a:fld id="{6E837E62-3F50-4DC5-847B-FFE30D7C161D}" type="datetimeFigureOut">
               <a:rPr lang="en-US" smtClean="0"/>
-              <a:t>1/10/2023</a:t>
+              <a:t>1/24/2023</a:t>
             </a:fld>
             <a:endParaRPr lang="en-US"/>
           </a:p>
@@ -2098,7 +2098,7 @@
           <a:p>
             <a:fld id="{6E837E62-3F50-4DC5-847B-FFE30D7C161D}" type="datetimeFigureOut">
               <a:rPr lang="en-US" smtClean="0"/>
-              <a:t>1/10/2023</a:t>
+              <a:t>1/24/2023</a:t>
             </a:fld>
             <a:endParaRPr lang="en-US"/>
           </a:p>
@@ -2351,7 +2351,7 @@
           <a:p>
             <a:fld id="{6E837E62-3F50-4DC5-847B-FFE30D7C161D}" type="datetimeFigureOut">
               <a:rPr lang="en-US" smtClean="0"/>
-              <a:t>1/10/2023</a:t>
+              <a:t>1/24/2023</a:t>
             </a:fld>
             <a:endParaRPr lang="en-US"/>
           </a:p>
@@ -2564,7 +2564,7 @@
           <a:p>
             <a:fld id="{6E837E62-3F50-4DC5-847B-FFE30D7C161D}" type="datetimeFigureOut">
               <a:rPr lang="en-US" smtClean="0"/>
-              <a:t>1/10/2023</a:t>
+              <a:t>1/24/2023</a:t>
             </a:fld>
             <a:endParaRPr lang="en-US"/>
           </a:p>
@@ -4684,6 +4684,65 @@
           </a:fontRef>
         </p:style>
       </p:cxnSp>
+      <p:sp>
+        <p:nvSpPr>
+          <p:cNvPr id="2" name="Retângulo 1">
+            <a:extLst>
+              <a:ext uri="{FF2B5EF4-FFF2-40B4-BE49-F238E27FC236}">
+                <a16:creationId xmlns:a16="http://schemas.microsoft.com/office/drawing/2014/main" id="{573BD905-FA20-ADAB-6322-CBFFDBE98FB9}"/>
+              </a:ext>
+            </a:extLst>
+          </p:cNvPr>
+          <p:cNvSpPr/>
+          <p:nvPr/>
+        </p:nvSpPr>
+        <p:spPr>
+          <a:xfrm>
+            <a:off x="1830677" y="3304544"/>
+            <a:ext cx="2077375" cy="415764"/>
+          </a:xfrm>
+          <a:prstGeom prst="rect">
+            <a:avLst/>
+          </a:prstGeom>
+          <a:solidFill>
+            <a:schemeClr val="tx1">
+              <a:lumMod val="65000"/>
+              <a:lumOff val="35000"/>
+            </a:schemeClr>
+          </a:solidFill>
+          <a:ln>
+            <a:noFill/>
+          </a:ln>
+        </p:spPr>
+        <p:style>
+          <a:lnRef idx="2">
+            <a:schemeClr val="accent1">
+              <a:shade val="50000"/>
+            </a:schemeClr>
+          </a:lnRef>
+          <a:fillRef idx="1">
+            <a:schemeClr val="accent1"/>
+          </a:fillRef>
+          <a:effectRef idx="0">
+            <a:schemeClr val="accent1"/>
+          </a:effectRef>
+          <a:fontRef idx="minor">
+            <a:schemeClr val="lt1"/>
+          </a:fontRef>
+        </p:style>
+        <p:txBody>
+          <a:bodyPr rtlCol="0" anchor="ctr"/>
+          <a:lstStyle/>
+          <a:p>
+            <a:pPr algn="ctr"/>
+            <a:r>
+              <a:rPr lang="pt-BR"/>
+              <a:t>copia_premissas</a:t>
+            </a:r>
+            <a:endParaRPr lang="en-US"/>
+          </a:p>
+        </p:txBody>
+      </p:sp>
     </p:spTree>
     <p:extLst>
       <p:ext uri="{BB962C8B-B14F-4D97-AF65-F5344CB8AC3E}">
